--- a/ppt/Battle Arena Design_2차발표.pptx
+++ b/ppt/Battle Arena Design_2차발표.pptx
@@ -197,7 +197,7 @@
           <a:p>
             <a:fld id="{21F00D4C-2D96-4122-9A27-4F51987CE7EA}" type="datetimeFigureOut">
               <a:rPr lang="ko-KR" altLang="en-US" smtClean="0"/>
-              <a:t>2016-10-16</a:t>
+              <a:t>2016-10-20</a:t>
             </a:fld>
             <a:endParaRPr lang="ko-KR" altLang="en-US"/>
           </a:p>
@@ -683,7 +683,7 @@
           <a:p>
             <a:fld id="{380D736C-E337-4548-B0C8-20706AE87180}" type="datetimeFigureOut">
               <a:rPr lang="ko-KR" altLang="en-US" smtClean="0"/>
-              <a:t>2016-10-16</a:t>
+              <a:t>2016-10-20</a:t>
             </a:fld>
             <a:endParaRPr lang="ko-KR" altLang="en-US"/>
           </a:p>
@@ -996,7 +996,7 @@
           <a:p>
             <a:fld id="{380D736C-E337-4548-B0C8-20706AE87180}" type="datetimeFigureOut">
               <a:rPr lang="ko-KR" altLang="en-US" smtClean="0"/>
-              <a:t>2016-10-16</a:t>
+              <a:t>2016-10-20</a:t>
             </a:fld>
             <a:endParaRPr lang="ko-KR" altLang="en-US"/>
           </a:p>
@@ -1181,7 +1181,7 @@
           <a:p>
             <a:fld id="{380D736C-E337-4548-B0C8-20706AE87180}" type="datetimeFigureOut">
               <a:rPr lang="ko-KR" altLang="en-US" smtClean="0"/>
-              <a:t>2016-10-16</a:t>
+              <a:t>2016-10-20</a:t>
             </a:fld>
             <a:endParaRPr lang="ko-KR" altLang="en-US"/>
           </a:p>
@@ -1356,7 +1356,7 @@
           <a:p>
             <a:fld id="{380D736C-E337-4548-B0C8-20706AE87180}" type="datetimeFigureOut">
               <a:rPr lang="ko-KR" altLang="en-US" smtClean="0"/>
-              <a:t>2016-10-16</a:t>
+              <a:t>2016-10-20</a:t>
             </a:fld>
             <a:endParaRPr lang="ko-KR" altLang="en-US"/>
           </a:p>
@@ -1624,7 +1624,7 @@
           <a:p>
             <a:fld id="{380D736C-E337-4548-B0C8-20706AE87180}" type="datetimeFigureOut">
               <a:rPr lang="ko-KR" altLang="en-US" smtClean="0"/>
-              <a:t>2016-10-16</a:t>
+              <a:t>2016-10-20</a:t>
             </a:fld>
             <a:endParaRPr lang="ko-KR" altLang="en-US"/>
           </a:p>
@@ -2092,7 +2092,7 @@
           <a:p>
             <a:fld id="{380D736C-E337-4548-B0C8-20706AE87180}" type="datetimeFigureOut">
               <a:rPr lang="ko-KR" altLang="en-US" smtClean="0"/>
-              <a:t>2016-10-16</a:t>
+              <a:t>2016-10-20</a:t>
             </a:fld>
             <a:endParaRPr lang="ko-KR" altLang="en-US"/>
           </a:p>
@@ -2581,7 +2581,7 @@
           <a:p>
             <a:fld id="{380D736C-E337-4548-B0C8-20706AE87180}" type="datetimeFigureOut">
               <a:rPr lang="ko-KR" altLang="en-US" smtClean="0"/>
-              <a:t>2016-10-16</a:t>
+              <a:t>2016-10-20</a:t>
             </a:fld>
             <a:endParaRPr lang="ko-KR" altLang="en-US"/>
           </a:p>
@@ -2707,7 +2707,7 @@
           <a:p>
             <a:fld id="{380D736C-E337-4548-B0C8-20706AE87180}" type="datetimeFigureOut">
               <a:rPr lang="ko-KR" altLang="en-US" smtClean="0"/>
-              <a:t>2016-10-16</a:t>
+              <a:t>2016-10-20</a:t>
             </a:fld>
             <a:endParaRPr lang="ko-KR" altLang="en-US"/>
           </a:p>
@@ -2851,7 +2851,7 @@
           <a:p>
             <a:fld id="{380D736C-E337-4548-B0C8-20706AE87180}" type="datetimeFigureOut">
               <a:rPr lang="ko-KR" altLang="en-US" smtClean="0"/>
-              <a:t>2016-10-16</a:t>
+              <a:t>2016-10-20</a:t>
             </a:fld>
             <a:endParaRPr lang="ko-KR" altLang="en-US"/>
           </a:p>
@@ -3173,7 +3173,7 @@
           <a:p>
             <a:fld id="{380D736C-E337-4548-B0C8-20706AE87180}" type="datetimeFigureOut">
               <a:rPr lang="ko-KR" altLang="en-US" smtClean="0"/>
-              <a:t>2016-10-16</a:t>
+              <a:t>2016-10-20</a:t>
             </a:fld>
             <a:endParaRPr lang="ko-KR" altLang="en-US"/>
           </a:p>
@@ -3307,7 +3307,7 @@
           <a:p>
             <a:fld id="{380D736C-E337-4548-B0C8-20706AE87180}" type="datetimeFigureOut">
               <a:rPr lang="ko-KR" altLang="en-US" smtClean="0"/>
-              <a:t>2016-10-16</a:t>
+              <a:t>2016-10-20</a:t>
             </a:fld>
             <a:endParaRPr lang="ko-KR" altLang="en-US"/>
           </a:p>
@@ -4088,7 +4088,7 @@
           <a:p>
             <a:fld id="{380D736C-E337-4548-B0C8-20706AE87180}" type="datetimeFigureOut">
               <a:rPr lang="ko-KR" altLang="en-US" smtClean="0"/>
-              <a:t>2016-10-16</a:t>
+              <a:t>2016-10-20</a:t>
             </a:fld>
             <a:endParaRPr lang="ko-KR" altLang="en-US"/>
           </a:p>
@@ -5236,14 +5236,14 @@
             <p:ph idx="1"/>
             <p:extLst>
               <p:ext uri="{D42A27DB-BD31-4B8C-83A1-F6EECF244321}">
-                <p14:modId xmlns:p14="http://schemas.microsoft.com/office/powerpoint/2010/main" val="342921079"/>
+                <p14:modId xmlns:p14="http://schemas.microsoft.com/office/powerpoint/2010/main" val="3087416867"/>
               </p:ext>
             </p:extLst>
           </p:nvPr>
         </p:nvGraphicFramePr>
         <p:xfrm>
           <a:off x="107504" y="116632"/>
-          <a:ext cx="8856984" cy="6368835"/>
+          <a:ext cx="8856984" cy="6643155"/>
         </p:xfrm>
         <a:graphic>
           <a:graphicData uri="http://schemas.openxmlformats.org/drawingml/2006/table">
@@ -5335,7 +5335,23 @@
                       <a:pPr latinLnBrk="1"/>
                       <a:r>
                         <a:rPr lang="ko-KR" altLang="en-US" sz="1800" dirty="0" smtClean="0"/>
-                        <a:t>상하 좌우</a:t>
+                        <a:t>상하 </a:t>
+                      </a:r>
+                      <a:r>
+                        <a:rPr lang="ko-KR" altLang="en-US" sz="1800" dirty="0" smtClean="0"/>
+                        <a:t>좌우</a:t>
+                      </a:r>
+                      <a:endParaRPr lang="en-US" altLang="ko-KR" sz="1800" dirty="0" smtClean="0"/>
+                    </a:p>
+                    <a:p>
+                      <a:pPr latinLnBrk="1"/>
+                      <a:r>
+                        <a:rPr lang="en-US" altLang="ko-KR" sz="1800" dirty="0" smtClean="0"/>
+                        <a:t>- </a:t>
+                      </a:r>
+                      <a:r>
+                        <a:rPr lang="ko-KR" altLang="en-US" sz="1800" dirty="0" smtClean="0"/>
+                        <a:t>구현 완료</a:t>
                       </a:r>
                       <a:endParaRPr lang="en-US" altLang="ko-KR" sz="1800" dirty="0" smtClean="0"/>
                     </a:p>
@@ -5351,6 +5367,18 @@
                       <a:r>
                         <a:rPr lang="ko-KR" altLang="en-US" sz="1800" baseline="0" dirty="0" smtClean="0"/>
                         <a:t>달리기</a:t>
+                      </a:r>
+                      <a:endParaRPr lang="en-US" altLang="ko-KR" sz="1800" baseline="0" dirty="0" smtClean="0"/>
+                    </a:p>
+                    <a:p>
+                      <a:pPr latinLnBrk="1"/>
+                      <a:r>
+                        <a:rPr lang="en-US" altLang="ko-KR" sz="1800" baseline="0" dirty="0" smtClean="0"/>
+                        <a:t>- </a:t>
+                      </a:r>
+                      <a:r>
+                        <a:rPr lang="ko-KR" altLang="en-US" sz="1800" baseline="0" dirty="0" smtClean="0"/>
+                        <a:t>구현 완료</a:t>
                       </a:r>
                       <a:endParaRPr lang="en-US" altLang="ko-KR" sz="1800" baseline="0" dirty="0" smtClean="0"/>
                     </a:p>
@@ -5406,7 +5434,23 @@
                       <a:pPr latinLnBrk="1"/>
                       <a:r>
                         <a:rPr lang="ko-KR" altLang="en-US" sz="1800" baseline="0" dirty="0" smtClean="0"/>
-                        <a:t>특정 기술 시 페르소나 등장</a:t>
+                        <a:t>특정 기술 시 페르소나 </a:t>
+                      </a:r>
+                      <a:r>
+                        <a:rPr lang="ko-KR" altLang="en-US" sz="1800" baseline="0" dirty="0" smtClean="0"/>
+                        <a:t>등장</a:t>
+                      </a:r>
+                      <a:endParaRPr lang="en-US" altLang="ko-KR" sz="1800" baseline="0" dirty="0" smtClean="0"/>
+                    </a:p>
+                    <a:p>
+                      <a:pPr latinLnBrk="1"/>
+                      <a:r>
+                        <a:rPr lang="en-US" altLang="ko-KR" sz="1800" baseline="0" dirty="0" smtClean="0"/>
+                        <a:t>- </a:t>
+                      </a:r>
+                      <a:r>
+                        <a:rPr lang="ko-KR" altLang="en-US" sz="1800" baseline="0" dirty="0" smtClean="0"/>
+                        <a:t>구현 완료</a:t>
                       </a:r>
                       <a:endParaRPr lang="en-US" altLang="ko-KR" sz="1800" baseline="0" dirty="0" smtClean="0"/>
                     </a:p>
@@ -5433,7 +5477,19 @@
                       </a:r>
                       <a:r>
                         <a:rPr lang="ko-KR" altLang="en-US" sz="1800" baseline="0" dirty="0" smtClean="0"/>
-                        <a:t> 기술들 추가</a:t>
+                        <a:t> </a:t>
+                      </a:r>
+                      <a:endParaRPr lang="en-US" altLang="ko-KR" sz="1800" baseline="0" dirty="0" smtClean="0"/>
+                    </a:p>
+                    <a:p>
+                      <a:pPr latinLnBrk="1"/>
+                      <a:r>
+                        <a:rPr lang="ko-KR" altLang="en-US" sz="1800" baseline="0" dirty="0" smtClean="0"/>
+                        <a:t>기술들 </a:t>
+                      </a:r>
+                      <a:r>
+                        <a:rPr lang="ko-KR" altLang="en-US" sz="1800" baseline="0" dirty="0" smtClean="0"/>
+                        <a:t>추가</a:t>
                       </a:r>
                       <a:endParaRPr lang="ko-KR" altLang="en-US" sz="1800" dirty="0"/>
                     </a:p>
@@ -5534,7 +5590,61 @@
                         <a:rPr lang="ko-KR" altLang="en-US" sz="1800" dirty="0" smtClean="0"/>
                         <a:t>방어</a:t>
                       </a:r>
-                      <a:endParaRPr lang="ko-KR" altLang="en-US" sz="1800" dirty="0"/>
+                      <a:endParaRPr lang="en-US" altLang="ko-KR" sz="1800" dirty="0" smtClean="0"/>
+                    </a:p>
+                    <a:p>
+                      <a:pPr marL="0" indent="0" latinLnBrk="1">
+                        <a:buNone/>
+                      </a:pPr>
+                      <a:r>
+                        <a:rPr lang="en-US" altLang="ko-KR" sz="1800" dirty="0" smtClean="0"/>
+                        <a:t>- </a:t>
+                      </a:r>
+                      <a:r>
+                        <a:rPr lang="en-US" altLang="ko-KR" sz="1800" dirty="0" smtClean="0">
+                          <a:solidFill>
+                            <a:srgbClr val="FF0000"/>
+                          </a:solidFill>
+                        </a:rPr>
+                        <a:t>4</a:t>
+                      </a:r>
+                      <a:r>
+                        <a:rPr lang="en-US" altLang="ko-KR" sz="1800" baseline="0" dirty="0" smtClean="0">
+                          <a:solidFill>
+                            <a:srgbClr val="FF0000"/>
+                          </a:solidFill>
+                        </a:rPr>
+                        <a:t> ~ 5</a:t>
+                      </a:r>
+                      <a:r>
+                        <a:rPr lang="ko-KR" altLang="en-US" sz="1800" baseline="0" dirty="0" smtClean="0">
+                          <a:solidFill>
+                            <a:srgbClr val="FF0000"/>
+                          </a:solidFill>
+                        </a:rPr>
+                        <a:t>주차 구현이지만 </a:t>
+                      </a:r>
+                      <a:r>
+                        <a:rPr lang="ko-KR" altLang="en-US" sz="1800" baseline="0" dirty="0" err="1" smtClean="0">
+                          <a:solidFill>
+                            <a:srgbClr val="FF0000"/>
+                          </a:solidFill>
+                        </a:rPr>
+                        <a:t>미구현</a:t>
+                      </a:r>
+                      <a:r>
+                        <a:rPr lang="ko-KR" altLang="en-US" sz="1800" baseline="0" dirty="0" smtClean="0">
+                          <a:solidFill>
+                            <a:srgbClr val="FF0000"/>
+                          </a:solidFill>
+                        </a:rPr>
+                        <a:t> 상태</a:t>
+                      </a:r>
+                      <a:endParaRPr lang="ko-KR" altLang="en-US" sz="1800" dirty="0">
+                        <a:solidFill>
+                          <a:srgbClr val="FF0000"/>
+                        </a:solidFill>
+                      </a:endParaRPr>
                     </a:p>
                   </a:txBody>
                   <a:tcPr anchor="ctr"/>
@@ -5628,6 +5738,7 @@
                         <a:rPr lang="en-US" altLang="ko-KR" sz="1800" baseline="0" dirty="0" smtClean="0"/>
                         <a:t>)</a:t>
                       </a:r>
+                      <a:endParaRPr lang="en-US" altLang="ko-KR" sz="1800" baseline="0" dirty="0" smtClean="0"/>
                     </a:p>
                     <a:p>
                       <a:pPr latinLnBrk="1"/>
@@ -5647,9 +5758,21 @@
                         <a:rPr lang="en-US" altLang="ko-KR" sz="1800" baseline="0" dirty="0" smtClean="0"/>
                         <a:t>,  </a:t>
                       </a:r>
+                      <a:endParaRPr lang="en-US" altLang="ko-KR" sz="1800" baseline="0" dirty="0" smtClean="0"/>
+                    </a:p>
+                    <a:p>
+                      <a:pPr latinLnBrk="1"/>
+                      <a:r>
+                        <a:rPr lang="en-US" altLang="ko-KR" sz="1800" baseline="0" dirty="0" smtClean="0"/>
+                        <a:t>      </a:t>
+                      </a:r>
                       <a:r>
                         <a:rPr lang="ko-KR" altLang="en-US" sz="1800" baseline="0" dirty="0" smtClean="0"/>
-                        <a:t>게임 타이머 적용</a:t>
+                        <a:t>게임 </a:t>
+                      </a:r>
+                      <a:r>
+                        <a:rPr lang="ko-KR" altLang="en-US" sz="1800" baseline="0" dirty="0" smtClean="0"/>
+                        <a:t>타이머 적용</a:t>
                       </a:r>
                       <a:endParaRPr lang="en-US" altLang="ko-KR" sz="1800" baseline="0" dirty="0" smtClean="0"/>
                     </a:p>
@@ -5659,13 +5782,25 @@
                         <a:rPr lang="ko-KR" altLang="en-US" sz="1800" baseline="0" dirty="0" smtClean="0"/>
                         <a:t>타격 및 방어 시 </a:t>
                       </a:r>
+                      <a:endParaRPr lang="en-US" altLang="ko-KR" sz="1800" baseline="0" dirty="0" smtClean="0"/>
+                    </a:p>
+                    <a:p>
+                      <a:pPr latinLnBrk="1"/>
+                      <a:r>
+                        <a:rPr lang="ko-KR" altLang="en-US" sz="1800" baseline="0" dirty="0" smtClean="0"/>
+                        <a:t>      </a:t>
+                      </a:r>
                       <a:r>
                         <a:rPr lang="ko-KR" altLang="en-US" sz="1800" baseline="0" dirty="0" err="1" smtClean="0"/>
                         <a:t>이펙트</a:t>
                       </a:r>
                       <a:r>
                         <a:rPr lang="ko-KR" altLang="en-US" sz="1800" baseline="0" dirty="0" smtClean="0"/>
-                        <a:t> 및 </a:t>
+                        <a:t> </a:t>
+                      </a:r>
+                      <a:r>
+                        <a:rPr lang="ko-KR" altLang="en-US" sz="1800" baseline="0" dirty="0" smtClean="0"/>
+                        <a:t>및 </a:t>
                       </a:r>
                       <a:r>
                         <a:rPr lang="ko-KR" altLang="en-US" sz="1800" baseline="0" dirty="0" err="1" smtClean="0"/>
@@ -5673,7 +5808,23 @@
                       </a:r>
                       <a:r>
                         <a:rPr lang="ko-KR" altLang="en-US" sz="1800" baseline="0" dirty="0" smtClean="0"/>
-                        <a:t> 생성</a:t>
+                        <a:t> </a:t>
+                      </a:r>
+                      <a:r>
+                        <a:rPr lang="ko-KR" altLang="en-US" sz="1800" baseline="0" dirty="0" smtClean="0"/>
+                        <a:t>생성</a:t>
+                      </a:r>
+                      <a:endParaRPr lang="en-US" altLang="ko-KR" sz="1800" baseline="0" dirty="0" smtClean="0"/>
+                    </a:p>
+                    <a:p>
+                      <a:pPr latinLnBrk="1"/>
+                      <a:r>
+                        <a:rPr lang="en-US" altLang="ko-KR" sz="1800" baseline="0" dirty="0" smtClean="0"/>
+                        <a:t>- </a:t>
+                      </a:r>
+                      <a:r>
+                        <a:rPr lang="ko-KR" altLang="en-US" sz="1800" baseline="0" dirty="0" smtClean="0"/>
+                        <a:t>메인 화면 구현</a:t>
                       </a:r>
                       <a:endParaRPr lang="en-US" altLang="ko-KR" sz="1800" baseline="0" dirty="0" smtClean="0"/>
                     </a:p>
@@ -5973,14 +6124,14 @@
             <p:ph idx="1"/>
             <p:extLst>
               <p:ext uri="{D42A27DB-BD31-4B8C-83A1-F6EECF244321}">
-                <p14:modId xmlns:p14="http://schemas.microsoft.com/office/powerpoint/2010/main" val="2377601920"/>
+                <p14:modId xmlns:p14="http://schemas.microsoft.com/office/powerpoint/2010/main" val="312414838"/>
               </p:ext>
             </p:extLst>
           </p:nvPr>
         </p:nvGraphicFramePr>
         <p:xfrm>
-          <a:off x="0" y="-27384"/>
-          <a:ext cx="9144000" cy="6885384"/>
+          <a:off x="0" y="0"/>
+          <a:ext cx="9144000" cy="6825954"/>
         </p:xfrm>
         <a:graphic>
           <a:graphicData uri="http://schemas.openxmlformats.org/drawingml/2006/table">
@@ -5993,8 +6144,8 @@
                 <a:gridCol w="1640182"/>
                 <a:gridCol w="6372200"/>
               </a:tblGrid>
-              <a:tr h="566268">
-                <a:tc>
+              <a:tr h="680122">
+                <a:tc rowSpan="2">
                   <a:txBody>
                     <a:bodyPr/>
                     <a:lstStyle/>
@@ -6007,6 +6158,22 @@
                       <a:r>
                         <a:rPr lang="ko-KR" altLang="en-US" sz="1600" dirty="0" smtClean="0"/>
                         <a:t>주차</a:t>
+                      </a:r>
+                      <a:endParaRPr lang="en-US" altLang="ko-KR" sz="1600" dirty="0" smtClean="0"/>
+                    </a:p>
+                    <a:p>
+                      <a:pPr algn="ctr" latinLnBrk="1"/>
+                      <a:r>
+                        <a:rPr lang="ko-KR" altLang="en-US" sz="1600" dirty="0" smtClean="0"/>
+                        <a:t>리소스</a:t>
+                      </a:r>
+                      <a:endParaRPr lang="en-US" altLang="ko-KR" sz="1600" dirty="0" smtClean="0"/>
+                    </a:p>
+                    <a:p>
+                      <a:pPr algn="ctr" latinLnBrk="1"/>
+                      <a:r>
+                        <a:rPr lang="ko-KR" altLang="en-US" sz="1600" dirty="0" smtClean="0"/>
+                        <a:t>수집</a:t>
                       </a:r>
                       <a:endParaRPr lang="en-US" altLang="ko-KR" sz="1600" dirty="0" smtClean="0"/>
                     </a:p>
@@ -6020,10 +6187,10 @@
                     <a:p>
                       <a:pPr algn="ctr" latinLnBrk="1"/>
                       <a:r>
-                        <a:rPr lang="ko-KR" altLang="en-US" sz="1400" dirty="0" smtClean="0"/>
-                        <a:t>리소스 수집</a:t>
-                      </a:r>
-                      <a:endParaRPr lang="en-US" altLang="ko-KR" sz="1400" dirty="0" smtClean="0"/>
+                        <a:rPr lang="ko-KR" altLang="en-US" sz="1600" dirty="0" smtClean="0"/>
+                        <a:t>계획</a:t>
+                      </a:r>
+                      <a:endParaRPr lang="en-US" altLang="ko-KR" sz="1600" dirty="0" smtClean="0"/>
                     </a:p>
                   </a:txBody>
                   <a:tcPr anchor="ctr"/>
@@ -6038,7 +6205,23 @@
                       </a:pPr>
                       <a:r>
                         <a:rPr lang="ko-KR" altLang="en-US" sz="1600" dirty="0" smtClean="0"/>
-                        <a:t>리소스 수집</a:t>
+                        <a:t>리소스 </a:t>
+                      </a:r>
+                      <a:r>
+                        <a:rPr lang="ko-KR" altLang="en-US" sz="1600" dirty="0" smtClean="0"/>
+                        <a:t>수집   </a:t>
+                      </a:r>
+                      <a:r>
+                        <a:rPr lang="en-US" altLang="ko-KR" sz="1600" dirty="0" smtClean="0"/>
+                        <a:t>(</a:t>
+                      </a:r>
+                      <a:r>
+                        <a:rPr lang="ko-KR" altLang="en-US" sz="1600" dirty="0" smtClean="0"/>
+                        <a:t>계획</a:t>
+                      </a:r>
+                      <a:r>
+                        <a:rPr lang="en-US" altLang="ko-KR" sz="1600" dirty="0" smtClean="0"/>
+                        <a:t>)</a:t>
                       </a:r>
                       <a:endParaRPr lang="en-US" altLang="ko-KR" sz="1600" dirty="0" smtClean="0"/>
                     </a:p>
@@ -6046,7 +6229,18 @@
                   <a:tcPr anchor="ctr"/>
                 </a:tc>
               </a:tr>
-              <a:tr h="751289">
+              <a:tr h="1098246">
+                <a:tc vMerge="1">
+                  <a:txBody>
+                    <a:bodyPr/>
+                    <a:lstStyle/>
+                    <a:p>
+                      <a:pPr latinLnBrk="1"/>
+                      <a:endParaRPr lang="ko-KR" altLang="en-US"/>
+                    </a:p>
+                  </a:txBody>
+                  <a:tcPr/>
+                </a:tc>
                 <a:tc>
                   <a:txBody>
                     <a:bodyPr/>
@@ -6054,14 +6248,10 @@
                     <a:p>
                       <a:pPr algn="ctr" latinLnBrk="1"/>
                       <a:r>
-                        <a:rPr lang="en-US" altLang="ko-KR" sz="1600" dirty="0" smtClean="0"/>
-                        <a:t>2</a:t>
-                      </a:r>
-                      <a:r>
                         <a:rPr lang="ko-KR" altLang="en-US" sz="1600" dirty="0" smtClean="0"/>
-                        <a:t>주차</a:t>
-                      </a:r>
-                      <a:endParaRPr lang="ko-KR" altLang="en-US" sz="1600" dirty="0"/>
+                        <a:t>결과</a:t>
+                      </a:r>
+                      <a:endParaRPr lang="en-US" altLang="ko-KR" sz="1600" dirty="0" smtClean="0"/>
                     </a:p>
                   </a:txBody>
                   <a:tcPr anchor="ctr"/>
@@ -6071,19 +6261,115 @@
                     <a:bodyPr/>
                     <a:lstStyle/>
                     <a:p>
+                      <a:pPr marL="342900" indent="-342900" latinLnBrk="1">
+                        <a:buAutoNum type="arabicPeriod"/>
+                      </a:pPr>
+                      <a:r>
+                        <a:rPr lang="ko-KR" altLang="en-US" sz="1600" dirty="0" smtClean="0"/>
+                        <a:t>캐릭터 움직임</a:t>
+                      </a:r>
+                      <a:r>
+                        <a:rPr lang="ko-KR" altLang="en-US" sz="1600" baseline="0" dirty="0" smtClean="0"/>
+                        <a:t> 리소스 수집 및 편집 완료</a:t>
+                      </a:r>
+                      <a:endParaRPr lang="en-US" altLang="ko-KR" sz="1600" baseline="0" dirty="0" smtClean="0"/>
+                    </a:p>
+                    <a:p>
+                      <a:pPr marL="342900" indent="-342900" latinLnBrk="1">
+                        <a:buAutoNum type="arabicPeriod"/>
+                      </a:pPr>
+                      <a:r>
+                        <a:rPr lang="ko-KR" altLang="en-US" sz="1600" baseline="0" dirty="0" smtClean="0"/>
+                        <a:t>배경</a:t>
+                      </a:r>
+                      <a:r>
+                        <a:rPr lang="en-US" altLang="ko-KR" sz="1600" baseline="0" dirty="0" smtClean="0"/>
+                        <a:t>, </a:t>
+                      </a:r>
+                      <a:r>
+                        <a:rPr lang="ko-KR" altLang="en-US" sz="1600" baseline="0" dirty="0" smtClean="0"/>
+                        <a:t>타이틀 리소스 수집 및 편집 완료</a:t>
+                      </a:r>
+                      <a:endParaRPr lang="en-US" altLang="ko-KR" sz="1600" baseline="0" dirty="0" smtClean="0"/>
+                    </a:p>
+                    <a:p>
+                      <a:pPr marL="342900" indent="-342900" latinLnBrk="1">
+                        <a:buAutoNum type="arabicPeriod"/>
+                      </a:pPr>
+                      <a:r>
+                        <a:rPr lang="ko-KR" altLang="en-US" sz="1600" baseline="0" dirty="0" smtClean="0"/>
+                        <a:t>캐릭터 선택창 리소스 수집 완료 </a:t>
+                      </a:r>
+                      <a:r>
+                        <a:rPr lang="en-US" altLang="ko-KR" sz="1600" baseline="0" dirty="0" smtClean="0"/>
+                        <a:t>(</a:t>
+                      </a:r>
+                      <a:r>
+                        <a:rPr lang="ko-KR" altLang="en-US" sz="1600" baseline="0" dirty="0" smtClean="0"/>
+                        <a:t>편집 진행 중 입니다</a:t>
+                      </a:r>
+                      <a:r>
+                        <a:rPr lang="en-US" altLang="ko-KR" sz="1600" baseline="0" dirty="0" smtClean="0"/>
+                        <a:t>.)</a:t>
+                      </a:r>
+                    </a:p>
+                    <a:p>
+                      <a:pPr marL="342900" indent="-342900" latinLnBrk="1">
+                        <a:buAutoNum type="arabicPeriod"/>
+                      </a:pPr>
+                      <a:r>
+                        <a:rPr lang="ko-KR" altLang="en-US" sz="1600" baseline="0" dirty="0" smtClean="0"/>
+                        <a:t>페르소나 리소스 편집 미완료</a:t>
+                      </a:r>
+                      <a:endParaRPr lang="en-US" altLang="ko-KR" sz="1600" baseline="0" dirty="0" smtClean="0"/>
+                    </a:p>
+                  </a:txBody>
+                  <a:tcPr anchor="ctr"/>
+                </a:tc>
+              </a:tr>
+              <a:tr h="654603">
+                <a:tc rowSpan="2">
+                  <a:txBody>
+                    <a:bodyPr/>
+                    <a:lstStyle/>
+                    <a:p>
                       <a:pPr algn="ctr" latinLnBrk="1"/>
                       <a:r>
-                        <a:rPr lang="ko-KR" altLang="en-US" sz="1400" dirty="0" smtClean="0"/>
+                        <a:rPr lang="en-US" altLang="ko-KR" sz="1600" dirty="0" smtClean="0"/>
+                        <a:t>2</a:t>
+                      </a:r>
+                      <a:r>
+                        <a:rPr lang="ko-KR" altLang="en-US" sz="1600" dirty="0" smtClean="0"/>
+                        <a:t>주차</a:t>
+                      </a:r>
+                      <a:endParaRPr lang="en-US" altLang="ko-KR" sz="1600" dirty="0" smtClean="0"/>
+                    </a:p>
+                    <a:p>
+                      <a:pPr algn="ctr" latinLnBrk="1"/>
+                      <a:r>
+                        <a:rPr lang="ko-KR" altLang="en-US" sz="1600" dirty="0" smtClean="0"/>
                         <a:t>메인 화면</a:t>
                       </a:r>
-                      <a:endParaRPr lang="en-US" altLang="ko-KR" sz="1400" dirty="0" smtClean="0"/>
+                      <a:endParaRPr lang="en-US" altLang="ko-KR" sz="1600" dirty="0" smtClean="0"/>
                     </a:p>
                     <a:p>
                       <a:pPr algn="ctr" latinLnBrk="1"/>
                       <a:r>
-                        <a:rPr lang="ko-KR" altLang="en-US" sz="1400" dirty="0" smtClean="0"/>
-                        <a:t>캐릭터 선택창</a:t>
-                      </a:r>
+                        <a:rPr lang="ko-KR" altLang="en-US" sz="1600" dirty="0" smtClean="0"/>
+                        <a:t>캐릭터 </a:t>
+                      </a:r>
+                      <a:endParaRPr lang="en-US" altLang="ko-KR" sz="1600" dirty="0" smtClean="0"/>
+                    </a:p>
+                    <a:p>
+                      <a:pPr algn="ctr" latinLnBrk="1"/>
+                      <a:r>
+                        <a:rPr lang="ko-KR" altLang="en-US" sz="1600" dirty="0" smtClean="0"/>
+                        <a:t>선택창</a:t>
+                      </a:r>
+                    </a:p>
+                    <a:p>
+                      <a:pPr algn="ctr" latinLnBrk="1"/>
+                      <a:endParaRPr lang="ko-KR" altLang="en-US" sz="1600" dirty="0"/>
                     </a:p>
                   </a:txBody>
                   <a:tcPr anchor="ctr"/>
@@ -6093,45 +6379,12 @@
                     <a:bodyPr/>
                     <a:lstStyle/>
                     <a:p>
-                      <a:pPr marL="342900" indent="-342900" latinLnBrk="1">
-                        <a:buAutoNum type="arabicPeriod"/>
-                      </a:pPr>
+                      <a:pPr algn="ctr" latinLnBrk="1"/>
                       <a:r>
                         <a:rPr lang="ko-KR" altLang="en-US" sz="1600" dirty="0" smtClean="0"/>
-                        <a:t>메인 화면 생성</a:t>
-                      </a:r>
-                      <a:endParaRPr lang="en-US" altLang="ko-KR" sz="1600" dirty="0" smtClean="0"/>
-                    </a:p>
-                    <a:p>
-                      <a:pPr marL="342900" indent="-342900" latinLnBrk="1">
-                        <a:buAutoNum type="arabicPeriod"/>
-                      </a:pPr>
-                      <a:r>
-                        <a:rPr lang="ko-KR" altLang="en-US" sz="1600" dirty="0" smtClean="0"/>
-                        <a:t>캐릭터 선택창 생성</a:t>
-                      </a:r>
-                      <a:endParaRPr lang="en-US" altLang="ko-KR" sz="1600" dirty="0" smtClean="0"/>
-                    </a:p>
-                  </a:txBody>
-                  <a:tcPr anchor="ctr"/>
-                </a:tc>
-              </a:tr>
-              <a:tr h="833038">
-                <a:tc>
-                  <a:txBody>
-                    <a:bodyPr/>
-                    <a:lstStyle/>
-                    <a:p>
-                      <a:pPr algn="ctr" latinLnBrk="1"/>
-                      <a:r>
-                        <a:rPr lang="en-US" altLang="ko-KR" sz="1600" dirty="0" smtClean="0"/>
-                        <a:t>3</a:t>
-                      </a:r>
-                      <a:r>
-                        <a:rPr lang="ko-KR" altLang="en-US" sz="1600" dirty="0" smtClean="0"/>
-                        <a:t>주차</a:t>
-                      </a:r>
-                      <a:endParaRPr lang="ko-KR" altLang="en-US" sz="1600" dirty="0"/>
+                        <a:t>계획</a:t>
+                      </a:r>
+                      <a:endParaRPr lang="ko-KR" altLang="en-US" sz="1600" dirty="0" smtClean="0"/>
                     </a:p>
                   </a:txBody>
                   <a:tcPr anchor="ctr"/>
@@ -6140,6 +6393,132 @@
                   <a:txBody>
                     <a:bodyPr/>
                     <a:lstStyle/>
+                    <a:p>
+                      <a:pPr marL="342900" indent="-342900" latinLnBrk="1">
+                        <a:buAutoNum type="arabicPeriod"/>
+                      </a:pPr>
+                      <a:r>
+                        <a:rPr lang="ko-KR" altLang="en-US" sz="1600" dirty="0" smtClean="0"/>
+                        <a:t>메인 화면 생성</a:t>
+                      </a:r>
+                      <a:endParaRPr lang="en-US" altLang="ko-KR" sz="1600" dirty="0" smtClean="0"/>
+                    </a:p>
+                    <a:p>
+                      <a:pPr marL="342900" indent="-342900" latinLnBrk="1">
+                        <a:buAutoNum type="arabicPeriod"/>
+                      </a:pPr>
+                      <a:r>
+                        <a:rPr lang="ko-KR" altLang="en-US" sz="1600" dirty="0" smtClean="0"/>
+                        <a:t>캐릭터 선택창 생성</a:t>
+                      </a:r>
+                      <a:endParaRPr lang="en-US" altLang="ko-KR" sz="1600" dirty="0" smtClean="0"/>
+                    </a:p>
+                  </a:txBody>
+                  <a:tcPr anchor="ctr"/>
+                </a:tc>
+              </a:tr>
+              <a:tr h="847218">
+                <a:tc vMerge="1">
+                  <a:txBody>
+                    <a:bodyPr/>
+                    <a:lstStyle/>
+                    <a:p>
+                      <a:pPr latinLnBrk="1"/>
+                      <a:endParaRPr lang="ko-KR" altLang="en-US"/>
+                    </a:p>
+                  </a:txBody>
+                  <a:tcPr/>
+                </a:tc>
+                <a:tc>
+                  <a:txBody>
+                    <a:bodyPr/>
+                    <a:lstStyle/>
+                    <a:p>
+                      <a:pPr algn="ctr" latinLnBrk="1"/>
+                      <a:r>
+                        <a:rPr lang="ko-KR" altLang="en-US" sz="1600" dirty="0" smtClean="0"/>
+                        <a:t>결과</a:t>
+                      </a:r>
+                      <a:endParaRPr lang="ko-KR" altLang="en-US" sz="1600" dirty="0" smtClean="0"/>
+                    </a:p>
+                  </a:txBody>
+                  <a:tcPr anchor="ctr"/>
+                </a:tc>
+                <a:tc>
+                  <a:txBody>
+                    <a:bodyPr/>
+                    <a:lstStyle/>
+                    <a:p>
+                      <a:pPr marL="342900" indent="-342900" latinLnBrk="1">
+                        <a:buAutoNum type="arabicPeriod"/>
+                      </a:pPr>
+                      <a:r>
+                        <a:rPr lang="ko-KR" altLang="en-US" sz="1600" dirty="0" smtClean="0"/>
+                        <a:t>로고 화면 생성 완료</a:t>
+                      </a:r>
+                      <a:endParaRPr lang="en-US" altLang="ko-KR" sz="1600" dirty="0" smtClean="0"/>
+                    </a:p>
+                    <a:p>
+                      <a:pPr marL="342900" indent="-342900" latinLnBrk="1">
+                        <a:buAutoNum type="arabicPeriod"/>
+                      </a:pPr>
+                      <a:r>
+                        <a:rPr lang="ko-KR" altLang="en-US" sz="1600" dirty="0" smtClean="0"/>
+                        <a:t>메인 화면 생성</a:t>
+                      </a:r>
+                      <a:r>
+                        <a:rPr lang="ko-KR" altLang="en-US" sz="1600" baseline="0" dirty="0" smtClean="0"/>
+                        <a:t> 완료</a:t>
+                      </a:r>
+                      <a:endParaRPr lang="en-US" altLang="ko-KR" sz="1600" baseline="0" dirty="0" smtClean="0"/>
+                    </a:p>
+                    <a:p>
+                      <a:pPr marL="342900" indent="-342900" latinLnBrk="1">
+                        <a:buAutoNum type="arabicPeriod"/>
+                      </a:pPr>
+                      <a:r>
+                        <a:rPr lang="ko-KR" altLang="en-US" sz="1600" baseline="0" dirty="0" smtClean="0">
+                          <a:solidFill>
+                            <a:srgbClr val="FF0000"/>
+                          </a:solidFill>
+                        </a:rPr>
+                        <a:t>캐릭터 선택창 생성 실패 </a:t>
+                      </a:r>
+                      <a:r>
+                        <a:rPr lang="en-US" altLang="ko-KR" sz="1600" baseline="0" dirty="0" smtClean="0"/>
+                        <a:t>(</a:t>
+                      </a:r>
+                      <a:r>
+                        <a:rPr lang="ko-KR" altLang="en-US" sz="1600" baseline="0" dirty="0" smtClean="0"/>
+                        <a:t>리소스 편집 진행 중</a:t>
+                      </a:r>
+                      <a:r>
+                        <a:rPr lang="en-US" altLang="ko-KR" sz="1600" baseline="0" dirty="0" smtClean="0"/>
+                        <a:t>)</a:t>
+                      </a:r>
+                      <a:endParaRPr lang="en-US" altLang="ko-KR" sz="1600" dirty="0" smtClean="0"/>
+                    </a:p>
+                  </a:txBody>
+                  <a:tcPr anchor="ctr"/>
+                </a:tc>
+              </a:tr>
+              <a:tr h="847218">
+                <a:tc rowSpan="2">
+                  <a:txBody>
+                    <a:bodyPr/>
+                    <a:lstStyle/>
+                    <a:p>
+                      <a:pPr algn="ctr" latinLnBrk="1"/>
+                      <a:r>
+                        <a:rPr lang="en-US" altLang="ko-KR" sz="1600" dirty="0" smtClean="0"/>
+                        <a:t>3</a:t>
+                      </a:r>
+                      <a:r>
+                        <a:rPr lang="ko-KR" altLang="en-US" sz="1600" dirty="0" smtClean="0"/>
+                        <a:t>주차</a:t>
+                      </a:r>
+                      <a:endParaRPr lang="en-US" altLang="ko-KR" sz="1600" dirty="0" smtClean="0"/>
+                    </a:p>
                     <a:p>
                       <a:pPr marL="0" marR="0" indent="0" algn="ctr" defTabSz="914400" rtl="0" eaLnBrk="1" fontAlgn="auto" latinLnBrk="1" hangingPunct="1">
                         <a:lnSpc>
@@ -6159,10 +6538,10 @@
                         <a:defRPr/>
                       </a:pPr>
                       <a:r>
-                        <a:rPr lang="ko-KR" altLang="en-US" sz="1400" dirty="0" smtClean="0"/>
-                        <a:t>캐릭터 배치</a:t>
-                      </a:r>
-                      <a:endParaRPr lang="en-US" altLang="ko-KR" sz="1400" dirty="0" smtClean="0"/>
+                        <a:rPr lang="ko-KR" altLang="en-US" sz="1600" dirty="0" smtClean="0"/>
+                        <a:t>캐릭터</a:t>
+                      </a:r>
+                      <a:endParaRPr lang="en-US" altLang="ko-KR" sz="1600" dirty="0" smtClean="0"/>
                     </a:p>
                     <a:p>
                       <a:pPr marL="0" marR="0" indent="0" algn="ctr" defTabSz="914400" rtl="0" eaLnBrk="1" fontAlgn="auto" latinLnBrk="1" hangingPunct="1">
@@ -6183,9 +6562,68 @@
                         <a:defRPr/>
                       </a:pPr>
                       <a:r>
-                        <a:rPr lang="ko-KR" altLang="en-US" sz="1400" dirty="0" smtClean="0"/>
+                        <a:rPr lang="ko-KR" altLang="en-US" sz="1600" dirty="0" smtClean="0"/>
+                        <a:t> 배치</a:t>
+                      </a:r>
+                      <a:endParaRPr lang="en-US" altLang="ko-KR" sz="1600" dirty="0" smtClean="0"/>
+                    </a:p>
+                    <a:p>
+                      <a:pPr marL="0" marR="0" indent="0" algn="ctr" defTabSz="914400" rtl="0" eaLnBrk="1" fontAlgn="auto" latinLnBrk="1" hangingPunct="1">
+                        <a:lnSpc>
+                          <a:spcPct val="100000"/>
+                        </a:lnSpc>
+                        <a:spcBef>
+                          <a:spcPts val="0"/>
+                        </a:spcBef>
+                        <a:spcAft>
+                          <a:spcPts val="0"/>
+                        </a:spcAft>
+                        <a:buClrTx/>
+                        <a:buSzTx/>
+                        <a:buFontTx/>
+                        <a:buNone/>
+                        <a:tabLst/>
+                        <a:defRPr/>
+                      </a:pPr>
+                      <a:r>
+                        <a:rPr lang="ko-KR" altLang="en-US" sz="1600" dirty="0" smtClean="0"/>
                         <a:t>기술 구현</a:t>
                       </a:r>
+                    </a:p>
+                    <a:p>
+                      <a:pPr algn="ctr" latinLnBrk="1"/>
+                      <a:endParaRPr lang="ko-KR" altLang="en-US" sz="1600" dirty="0"/>
+                    </a:p>
+                  </a:txBody>
+                  <a:tcPr anchor="ctr"/>
+                </a:tc>
+                <a:tc>
+                  <a:txBody>
+                    <a:bodyPr/>
+                    <a:lstStyle/>
+                    <a:p>
+                      <a:pPr marL="0" marR="0" indent="0" algn="ctr" defTabSz="914400" rtl="0" eaLnBrk="1" fontAlgn="auto" latinLnBrk="1" hangingPunct="1">
+                        <a:lnSpc>
+                          <a:spcPct val="100000"/>
+                        </a:lnSpc>
+                        <a:spcBef>
+                          <a:spcPts val="0"/>
+                        </a:spcBef>
+                        <a:spcAft>
+                          <a:spcPts val="0"/>
+                        </a:spcAft>
+                        <a:buClrTx/>
+                        <a:buSzTx/>
+                        <a:buFontTx/>
+                        <a:buNone/>
+                        <a:tabLst/>
+                        <a:defRPr/>
+                      </a:pPr>
+                      <a:r>
+                        <a:rPr lang="ko-KR" altLang="en-US" sz="1600" dirty="0" smtClean="0"/>
+                        <a:t>계획</a:t>
+                      </a:r>
+                      <a:endParaRPr lang="ko-KR" altLang="en-US" sz="1600" dirty="0" smtClean="0"/>
                     </a:p>
                   </a:txBody>
                   <a:tcPr anchor="ctr"/>
@@ -6257,26 +6695,154 @@
                   <a:tcPr anchor="ctr"/>
                 </a:tc>
               </a:tr>
-              <a:tr h="557393">
+              <a:tr h="847218">
+                <a:tc vMerge="1">
+                  <a:txBody>
+                    <a:bodyPr/>
+                    <a:lstStyle/>
+                    <a:p>
+                      <a:pPr latinLnBrk="1"/>
+                      <a:endParaRPr lang="ko-KR" altLang="en-US"/>
+                    </a:p>
+                  </a:txBody>
+                  <a:tcPr/>
+                </a:tc>
                 <a:tc>
                   <a:txBody>
                     <a:bodyPr/>
                     <a:lstStyle/>
                     <a:p>
-                      <a:pPr algn="ctr" latinLnBrk="1"/>
-                      <a:r>
-                        <a:rPr lang="en-US" altLang="ko-KR" sz="1600" dirty="0" smtClean="0"/>
-                        <a:t>4</a:t>
-                      </a:r>
+                      <a:pPr marL="0" marR="0" indent="0" algn="ctr" defTabSz="914400" rtl="0" eaLnBrk="1" fontAlgn="auto" latinLnBrk="1" hangingPunct="1">
+                        <a:lnSpc>
+                          <a:spcPct val="100000"/>
+                        </a:lnSpc>
+                        <a:spcBef>
+                          <a:spcPts val="0"/>
+                        </a:spcBef>
+                        <a:spcAft>
+                          <a:spcPts val="0"/>
+                        </a:spcAft>
+                        <a:buClrTx/>
+                        <a:buSzTx/>
+                        <a:buFontTx/>
+                        <a:buNone/>
+                        <a:tabLst/>
+                        <a:defRPr/>
+                      </a:pPr>
                       <a:r>
                         <a:rPr lang="ko-KR" altLang="en-US" sz="1600" dirty="0" smtClean="0"/>
-                        <a:t>주차</a:t>
-                      </a:r>
-                      <a:endParaRPr lang="ko-KR" altLang="en-US" sz="1600" dirty="0"/>
+                        <a:t>결과</a:t>
+                      </a:r>
+                      <a:endParaRPr lang="ko-KR" altLang="en-US" sz="1600" dirty="0" smtClean="0"/>
                     </a:p>
                   </a:txBody>
                   <a:tcPr anchor="ctr"/>
                 </a:tc>
+                <a:tc>
+                  <a:txBody>
+                    <a:bodyPr/>
+                    <a:lstStyle/>
+                    <a:p>
+                      <a:pPr marL="342900" indent="-342900">
+                        <a:buAutoNum type="arabicPeriod"/>
+                      </a:pPr>
+                      <a:r>
+                        <a:rPr lang="ko-KR" altLang="en-US" sz="1600" dirty="0" smtClean="0"/>
+                        <a:t>캐릭터 배치 및 이동 구현</a:t>
+                      </a:r>
+                      <a:r>
+                        <a:rPr lang="ko-KR" altLang="en-US" sz="1600" baseline="0" dirty="0" smtClean="0"/>
+                        <a:t> </a:t>
+                      </a:r>
+                      <a:r>
+                        <a:rPr lang="en-US" altLang="ko-KR" sz="1600" baseline="0" dirty="0" smtClean="0"/>
+                        <a:t>( </a:t>
+                      </a:r>
+                      <a:r>
+                        <a:rPr lang="ko-KR" altLang="en-US" sz="1600" baseline="0" dirty="0" smtClean="0">
+                          <a:solidFill>
+                            <a:srgbClr val="FF0000"/>
+                          </a:solidFill>
+                        </a:rPr>
+                        <a:t>미숙한 부분에 대한 보완 필요</a:t>
+                      </a:r>
+                      <a:r>
+                        <a:rPr lang="en-US" altLang="ko-KR" sz="1600" baseline="0" dirty="0" smtClean="0"/>
+                        <a:t>)</a:t>
+                      </a:r>
+                    </a:p>
+                    <a:p>
+                      <a:pPr marL="342900" indent="-342900">
+                        <a:buAutoNum type="arabicPeriod"/>
+                      </a:pPr>
+                      <a:r>
+                        <a:rPr lang="ko-KR" altLang="en-US" sz="1600" dirty="0" smtClean="0"/>
+                        <a:t>공격 모션 </a:t>
+                      </a:r>
+                      <a:r>
+                        <a:rPr lang="en-US" altLang="ko-KR" sz="1600" dirty="0" smtClean="0"/>
+                        <a:t>(</a:t>
+                      </a:r>
+                      <a:r>
+                        <a:rPr lang="ko-KR" altLang="en-US" sz="1600" dirty="0" smtClean="0"/>
+                        <a:t>기본 타격 모션</a:t>
+                      </a:r>
+                      <a:r>
+                        <a:rPr lang="en-US" altLang="ko-KR" sz="1600" dirty="0" smtClean="0"/>
+                        <a:t>,</a:t>
+                      </a:r>
+                      <a:r>
+                        <a:rPr lang="en-US" altLang="ko-KR" sz="1600" baseline="0" dirty="0" smtClean="0"/>
+                        <a:t> </a:t>
+                      </a:r>
+                      <a:r>
+                        <a:rPr lang="ko-KR" altLang="en-US" sz="1600" baseline="0" dirty="0" smtClean="0"/>
+                        <a:t>발차기</a:t>
+                      </a:r>
+                      <a:r>
+                        <a:rPr lang="en-US" altLang="ko-KR" sz="1600" baseline="0" dirty="0" smtClean="0"/>
+                        <a:t>, </a:t>
+                      </a:r>
+                      <a:r>
+                        <a:rPr lang="ko-KR" altLang="en-US" sz="1600" baseline="0" dirty="0" smtClean="0"/>
+                        <a:t>페르소나 소환 모션 구현</a:t>
+                      </a:r>
+                      <a:r>
+                        <a:rPr lang="en-US" altLang="ko-KR" sz="1600" baseline="0" dirty="0" smtClean="0"/>
+                        <a:t>)</a:t>
+                      </a:r>
+                    </a:p>
+                    <a:p>
+                      <a:pPr marL="342900" indent="-342900">
+                        <a:buAutoNum type="arabicPeriod"/>
+                      </a:pPr>
+                      <a:r>
+                        <a:rPr lang="ko-KR" altLang="en-US" sz="1600" dirty="0" smtClean="0">
+                          <a:solidFill>
+                            <a:srgbClr val="FF0000"/>
+                          </a:solidFill>
+                        </a:rPr>
+                        <a:t>커맨드 기술 </a:t>
+                      </a:r>
+                      <a:r>
+                        <a:rPr lang="ko-KR" altLang="en-US" sz="1600" dirty="0" err="1" smtClean="0">
+                          <a:solidFill>
+                            <a:srgbClr val="FF0000"/>
+                          </a:solidFill>
+                        </a:rPr>
+                        <a:t>미구현</a:t>
+                      </a:r>
+                      <a:endParaRPr lang="en-US" altLang="ko-KR" sz="1600" dirty="0" smtClean="0">
+                        <a:solidFill>
+                          <a:srgbClr val="FF0000"/>
+                        </a:solidFill>
+                      </a:endParaRPr>
+                    </a:p>
+                  </a:txBody>
+                  <a:tcPr anchor="ctr"/>
+                </a:tc>
+              </a:tr>
+              <a:tr h="1098246">
                 <a:tc rowSpan="2">
                   <a:txBody>
                     <a:bodyPr/>
@@ -6284,26 +6850,69 @@
                     <a:p>
                       <a:pPr algn="ctr" latinLnBrk="1"/>
                       <a:r>
-                        <a:rPr lang="en-US" altLang="ko-KR" sz="1400" dirty="0" smtClean="0"/>
+                        <a:rPr lang="en-US" altLang="ko-KR" sz="1600" dirty="0" smtClean="0"/>
+                        <a:t>4</a:t>
+                      </a:r>
+                      <a:r>
+                        <a:rPr lang="ko-KR" altLang="en-US" sz="1600" dirty="0" smtClean="0"/>
+                        <a:t>주차</a:t>
+                      </a:r>
+                      <a:endParaRPr lang="ko-KR" altLang="en-US" sz="1600" dirty="0"/>
+                    </a:p>
+                    <a:p>
+                      <a:pPr algn="ctr" latinLnBrk="1"/>
+                      <a:r>
+                        <a:rPr lang="en-US" altLang="ko-KR" sz="1600" dirty="0" smtClean="0"/>
+                        <a:t>5</a:t>
+                      </a:r>
+                      <a:r>
+                        <a:rPr lang="ko-KR" altLang="en-US" sz="1600" dirty="0" smtClean="0"/>
+                        <a:t>주차</a:t>
+                      </a:r>
+                      <a:endParaRPr lang="en-US" altLang="ko-KR" sz="1600" dirty="0" smtClean="0"/>
+                    </a:p>
+                    <a:p>
+                      <a:pPr algn="ctr" latinLnBrk="1"/>
+                      <a:endParaRPr lang="en-US" altLang="ko-KR" sz="1600" dirty="0" smtClean="0"/>
+                    </a:p>
+                    <a:p>
+                      <a:pPr algn="ctr" latinLnBrk="1"/>
+                      <a:r>
+                        <a:rPr lang="en-US" altLang="ko-KR" sz="1600" dirty="0" smtClean="0"/>
                         <a:t>AI</a:t>
                       </a:r>
                     </a:p>
                     <a:p>
                       <a:pPr algn="ctr" latinLnBrk="1"/>
-                      <a:endParaRPr lang="en-US" altLang="ko-KR" sz="1400" dirty="0" smtClean="0"/>
+                      <a:r>
+                        <a:rPr lang="ko-KR" altLang="en-US" sz="1600" dirty="0" err="1" smtClean="0"/>
+                        <a:t>중간정검</a:t>
+                      </a:r>
+                      <a:endParaRPr lang="ko-KR" altLang="en-US" sz="1600" dirty="0" smtClean="0"/>
                     </a:p>
                     <a:p>
                       <a:pPr algn="ctr" latinLnBrk="1"/>
-                      <a:r>
-                        <a:rPr lang="ko-KR" altLang="en-US" sz="1400" dirty="0" err="1" smtClean="0"/>
-                        <a:t>중간정검</a:t>
-                      </a:r>
-                      <a:endParaRPr lang="ko-KR" altLang="en-US" sz="1400" dirty="0"/>
+                      <a:endParaRPr lang="ko-KR" altLang="en-US" sz="1600" dirty="0"/>
                     </a:p>
                   </a:txBody>
                   <a:tcPr anchor="ctr"/>
                 </a:tc>
-                <a:tc rowSpan="2">
+                <a:tc>
+                  <a:txBody>
+                    <a:bodyPr/>
+                    <a:lstStyle/>
+                    <a:p>
+                      <a:pPr algn="ctr" latinLnBrk="1"/>
+                      <a:r>
+                        <a:rPr lang="ko-KR" altLang="en-US" sz="1600" dirty="0" smtClean="0"/>
+                        <a:t>계획</a:t>
+                      </a:r>
+                      <a:endParaRPr lang="ko-KR" altLang="en-US" sz="1600" dirty="0"/>
+                    </a:p>
+                  </a:txBody>
+                  <a:tcPr anchor="ctr"/>
+                </a:tc>
+                <a:tc>
                   <a:txBody>
                     <a:bodyPr/>
                     <a:lstStyle/>
@@ -6365,7 +6974,18 @@
                   <a:tcPr anchor="ctr"/>
                 </a:tc>
               </a:tr>
-              <a:tr h="557393">
+              <a:tr h="753083">
+                <a:tc vMerge="1">
+                  <a:txBody>
+                    <a:bodyPr/>
+                    <a:lstStyle/>
+                    <a:p>
+                      <a:pPr latinLnBrk="1"/>
+                      <a:endParaRPr lang="ko-KR" altLang="en-US"/>
+                    </a:p>
+                  </a:txBody>
+                  <a:tcPr/>
+                </a:tc>
                 <a:tc>
                   <a:txBody>
                     <a:bodyPr/>
@@ -6373,55 +6993,8 @@
                     <a:p>
                       <a:pPr algn="ctr" latinLnBrk="1"/>
                       <a:r>
-                        <a:rPr lang="en-US" altLang="ko-KR" sz="1600" dirty="0" smtClean="0"/>
-                        <a:t>5</a:t>
-                      </a:r>
-                      <a:r>
                         <a:rPr lang="ko-KR" altLang="en-US" sz="1600" dirty="0" smtClean="0"/>
-                        <a:t>주차</a:t>
-                      </a:r>
-                      <a:endParaRPr lang="ko-KR" altLang="en-US" sz="1600" dirty="0"/>
-                    </a:p>
-                  </a:txBody>
-                  <a:tcPr anchor="ctr"/>
-                </a:tc>
-                <a:tc vMerge="1">
-                  <a:txBody>
-                    <a:bodyPr/>
-                    <a:lstStyle/>
-                    <a:p>
-                      <a:pPr algn="ctr" latinLnBrk="1"/>
-                      <a:endParaRPr lang="ko-KR" altLang="en-US" sz="1600" dirty="0"/>
-                    </a:p>
-                  </a:txBody>
-                  <a:tcPr anchor="ctr"/>
-                </a:tc>
-                <a:tc vMerge="1">
-                  <a:txBody>
-                    <a:bodyPr/>
-                    <a:lstStyle/>
-                    <a:p>
-                      <a:pPr latinLnBrk="1"/>
-                      <a:endParaRPr lang="ko-KR" altLang="en-US" dirty="0"/>
-                    </a:p>
-                  </a:txBody>
-                  <a:tcPr anchor="ctr"/>
-                </a:tc>
-              </a:tr>
-              <a:tr h="557393">
-                <a:tc>
-                  <a:txBody>
-                    <a:bodyPr/>
-                    <a:lstStyle/>
-                    <a:p>
-                      <a:pPr algn="ctr" latinLnBrk="1"/>
-                      <a:r>
-                        <a:rPr lang="en-US" altLang="ko-KR" sz="1600" dirty="0" smtClean="0"/>
-                        <a:t>6</a:t>
-                      </a:r>
-                      <a:r>
-                        <a:rPr lang="ko-KR" altLang="en-US" sz="1600" dirty="0" smtClean="0"/>
-                        <a:t>주차</a:t>
+                        <a:t>결과</a:t>
                       </a:r>
                       <a:endParaRPr lang="ko-KR" altLang="en-US" sz="1600" dirty="0"/>
                     </a:p>
@@ -6433,450 +7006,44 @@
                     <a:bodyPr/>
                     <a:lstStyle/>
                     <a:p>
-                      <a:pPr algn="ctr"/>
-                      <a:r>
-                        <a:rPr lang="ko-KR" altLang="en-US" sz="1600" dirty="0" smtClean="0"/>
-                        <a:t>페르소나</a:t>
-                      </a:r>
-                      <a:r>
-                        <a:rPr lang="ko-KR" altLang="en-US" sz="1600" baseline="0" dirty="0" smtClean="0"/>
-                        <a:t> 배치</a:t>
-                      </a:r>
-                      <a:endParaRPr lang="ko-KR" altLang="en-US" sz="1600" dirty="0"/>
-                    </a:p>
-                  </a:txBody>
-                  <a:tcPr anchor="ctr"/>
-                </a:tc>
-                <a:tc>
-                  <a:txBody>
-                    <a:bodyPr/>
-                    <a:lstStyle/>
-                    <a:p>
-                      <a:r>
-                        <a:rPr lang="en-US" altLang="ko-KR" sz="1600" dirty="0" smtClean="0"/>
-                        <a:t>1. </a:t>
-                      </a:r>
-                      <a:r>
-                        <a:rPr lang="ko-KR" altLang="en-US" sz="1600" dirty="0" smtClean="0"/>
-                        <a:t>캐릭터 특정 기술 사용시 페르소나</a:t>
-                      </a:r>
-                      <a:r>
-                        <a:rPr lang="ko-KR" altLang="en-US" sz="1600" baseline="0" dirty="0" smtClean="0"/>
-                        <a:t> 등장 후 사라짐</a:t>
-                      </a:r>
-                      <a:endParaRPr lang="ko-KR" altLang="en-US" sz="1600" dirty="0"/>
-                    </a:p>
-                  </a:txBody>
-                  <a:tcPr anchor="ctr"/>
-                </a:tc>
-              </a:tr>
-              <a:tr h="557393">
-                <a:tc>
-                  <a:txBody>
-                    <a:bodyPr/>
-                    <a:lstStyle/>
-                    <a:p>
-                      <a:pPr algn="ctr" latinLnBrk="1"/>
-                      <a:r>
-                        <a:rPr lang="en-US" altLang="ko-KR" sz="1600" dirty="0" smtClean="0"/>
-                        <a:t>7</a:t>
-                      </a:r>
-                      <a:r>
-                        <a:rPr lang="ko-KR" altLang="en-US" sz="1600" dirty="0" smtClean="0"/>
-                        <a:t>주차</a:t>
-                      </a:r>
-                      <a:endParaRPr lang="ko-KR" altLang="en-US" sz="1600" dirty="0"/>
-                    </a:p>
-                  </a:txBody>
-                  <a:tcPr anchor="ctr"/>
-                </a:tc>
-                <a:tc>
-                  <a:txBody>
-                    <a:bodyPr/>
-                    <a:lstStyle/>
-                    <a:p>
-                      <a:pPr algn="ctr"/>
-                      <a:r>
-                        <a:rPr lang="ko-KR" altLang="en-US" sz="1600" dirty="0" err="1" smtClean="0"/>
-                        <a:t>파티클</a:t>
-                      </a:r>
-                      <a:r>
-                        <a:rPr lang="ko-KR" altLang="en-US" sz="1600" dirty="0" smtClean="0"/>
-                        <a:t> 추가</a:t>
-                      </a:r>
-                      <a:endParaRPr lang="ko-KR" altLang="en-US" sz="1600" dirty="0"/>
-                    </a:p>
-                  </a:txBody>
-                  <a:tcPr anchor="ctr"/>
-                </a:tc>
-                <a:tc>
-                  <a:txBody>
-                    <a:bodyPr/>
-                    <a:lstStyle/>
-                    <a:p>
-                      <a:r>
-                        <a:rPr lang="en-US" altLang="ko-KR" sz="1600" dirty="0" smtClean="0"/>
-                        <a:t>1. </a:t>
-                      </a:r>
-                      <a:r>
-                        <a:rPr lang="ko-KR" altLang="en-US" sz="1600" dirty="0" smtClean="0"/>
-                        <a:t>타격 </a:t>
-                      </a:r>
-                      <a:r>
-                        <a:rPr lang="ko-KR" altLang="en-US" sz="1600" dirty="0" err="1" smtClean="0"/>
-                        <a:t>파티클</a:t>
-                      </a:r>
-                      <a:r>
-                        <a:rPr lang="en-US" altLang="ko-KR" sz="1600" baseline="0" dirty="0" smtClean="0"/>
-                        <a:t> </a:t>
-                      </a:r>
-                      <a:r>
-                        <a:rPr lang="ko-KR" altLang="en-US" sz="1600" baseline="0" dirty="0" smtClean="0"/>
-                        <a:t>및 </a:t>
-                      </a:r>
-                      <a:r>
-                        <a:rPr lang="ko-KR" altLang="en-US" sz="1600" baseline="0" dirty="0" err="1" smtClean="0"/>
-                        <a:t>이펙트</a:t>
-                      </a:r>
-                      <a:r>
-                        <a:rPr lang="ko-KR" altLang="en-US" sz="1600" baseline="0" dirty="0" smtClean="0"/>
-                        <a:t> 추가</a:t>
-                      </a:r>
-                      <a:endParaRPr lang="ko-KR" altLang="en-US" sz="1600" dirty="0"/>
-                    </a:p>
-                  </a:txBody>
-                  <a:tcPr anchor="ctr"/>
-                </a:tc>
-              </a:tr>
-              <a:tr h="557393">
-                <a:tc>
-                  <a:txBody>
-                    <a:bodyPr/>
-                    <a:lstStyle/>
-                    <a:p>
-                      <a:pPr algn="ctr" latinLnBrk="1"/>
-                      <a:r>
-                        <a:rPr lang="en-US" altLang="ko-KR" sz="1600" dirty="0" smtClean="0"/>
-                        <a:t>8</a:t>
-                      </a:r>
-                      <a:r>
-                        <a:rPr lang="ko-KR" altLang="en-US" sz="1600" dirty="0" smtClean="0"/>
-                        <a:t>주차</a:t>
-                      </a:r>
-                      <a:endParaRPr lang="ko-KR" altLang="en-US" sz="1600" dirty="0"/>
-                    </a:p>
-                  </a:txBody>
-                  <a:tcPr anchor="ctr"/>
-                </a:tc>
-                <a:tc rowSpan="2">
-                  <a:txBody>
-                    <a:bodyPr/>
-                    <a:lstStyle/>
-                    <a:p>
-                      <a:pPr algn="ctr" latinLnBrk="1"/>
-                      <a:r>
-                        <a:rPr lang="ko-KR" altLang="en-US" sz="1400" dirty="0" err="1" smtClean="0"/>
-                        <a:t>맵</a:t>
-                      </a:r>
-                      <a:r>
-                        <a:rPr lang="en-US" altLang="ko-KR" sz="1400" baseline="0" dirty="0" smtClean="0"/>
-                        <a:t> </a:t>
-                      </a:r>
-                      <a:r>
-                        <a:rPr lang="ko-KR" altLang="en-US" sz="1400" baseline="0" dirty="0" smtClean="0"/>
-                        <a:t>배치</a:t>
-                      </a:r>
-                      <a:endParaRPr lang="en-US" altLang="ko-KR" sz="1400" baseline="0" dirty="0" smtClean="0"/>
-                    </a:p>
-                    <a:p>
-                      <a:pPr algn="ctr" latinLnBrk="1"/>
-                      <a:r>
-                        <a:rPr lang="ko-KR" altLang="en-US" sz="1400" baseline="0" dirty="0" smtClean="0"/>
-                        <a:t>사운드 추가</a:t>
-                      </a:r>
-                      <a:endParaRPr lang="en-US" altLang="ko-KR" sz="1400" baseline="0" dirty="0" smtClean="0"/>
-                    </a:p>
-                  </a:txBody>
-                  <a:tcPr anchor="ctr"/>
-                </a:tc>
-                <a:tc rowSpan="2">
-                  <a:txBody>
-                    <a:bodyPr/>
-                    <a:lstStyle/>
-                    <a:p>
-                      <a:pPr marL="342900" indent="-342900" latinLnBrk="1">
+                      <a:pPr marL="342900" marR="0" indent="-342900" algn="l" defTabSz="914400" rtl="0" eaLnBrk="1" fontAlgn="auto" latinLnBrk="1" hangingPunct="1">
+                        <a:lnSpc>
+                          <a:spcPct val="100000"/>
+                        </a:lnSpc>
+                        <a:spcBef>
+                          <a:spcPts val="0"/>
+                        </a:spcBef>
+                        <a:spcAft>
+                          <a:spcPts val="0"/>
+                        </a:spcAft>
+                        <a:buClrTx/>
+                        <a:buSzTx/>
+                        <a:buFontTx/>
                         <a:buAutoNum type="arabicPeriod"/>
+                        <a:tabLst/>
+                        <a:defRPr/>
                       </a:pPr>
                       <a:r>
-                        <a:rPr lang="ko-KR" altLang="en-US" sz="1600" baseline="0" dirty="0" err="1" smtClean="0"/>
-                        <a:t>맵</a:t>
-                      </a:r>
-                      <a:r>
-                        <a:rPr lang="ko-KR" altLang="en-US" sz="1600" baseline="0" dirty="0" smtClean="0"/>
-                        <a:t> 배치</a:t>
-                      </a:r>
-                      <a:endParaRPr lang="en-US" altLang="ko-KR" sz="1600" baseline="0" dirty="0" smtClean="0"/>
-                    </a:p>
-                    <a:p>
-                      <a:pPr marL="342900" indent="-342900" latinLnBrk="1">
-                        <a:buAutoNum type="arabicPeriod"/>
-                      </a:pPr>
-                      <a:r>
-                        <a:rPr lang="ko-KR" altLang="en-US" sz="1600" baseline="0" dirty="0" smtClean="0"/>
-                        <a:t>카메라 모션 </a:t>
-                      </a:r>
-                      <a:r>
-                        <a:rPr lang="en-US" altLang="ko-KR" sz="1600" baseline="0" dirty="0" smtClean="0"/>
-                        <a:t>(</a:t>
-                      </a:r>
-                      <a:r>
-                        <a:rPr lang="ko-KR" altLang="en-US" sz="1600" baseline="0" dirty="0" smtClean="0"/>
-                        <a:t>캐릭터 이동에 맞춰서</a:t>
-                      </a:r>
-                      <a:r>
-                        <a:rPr lang="en-US" altLang="ko-KR" sz="1600" baseline="0" dirty="0" smtClean="0"/>
-                        <a:t>)</a:t>
-                      </a:r>
-                      <a:r>
-                        <a:rPr lang="ko-KR" altLang="en-US" sz="1600" dirty="0" smtClean="0"/>
-                        <a:t> </a:t>
-                      </a:r>
-                      <a:endParaRPr lang="en-US" altLang="ko-KR" sz="1600" dirty="0" smtClean="0"/>
-                    </a:p>
-                    <a:p>
-                      <a:pPr marL="342900" indent="-342900" latinLnBrk="1">
-                        <a:buAutoNum type="arabicPeriod"/>
-                      </a:pPr>
-                      <a:r>
-                        <a:rPr lang="ko-KR" altLang="en-US" sz="1600" dirty="0" err="1" smtClean="0"/>
-                        <a:t>메인화면</a:t>
-                      </a:r>
-                      <a:r>
-                        <a:rPr lang="en-US" altLang="ko-KR" sz="1600" dirty="0" smtClean="0"/>
-                        <a:t>, </a:t>
-                      </a:r>
-                      <a:r>
-                        <a:rPr lang="ko-KR" altLang="en-US" sz="1600" dirty="0" smtClean="0"/>
-                        <a:t>캐릭터 선택화면</a:t>
-                      </a:r>
-                      <a:r>
-                        <a:rPr lang="en-US" altLang="ko-KR" sz="1600" baseline="0" dirty="0" smtClean="0"/>
-                        <a:t>, </a:t>
-                      </a:r>
-                      <a:r>
-                        <a:rPr lang="ko-KR" altLang="en-US" sz="1600" baseline="0" dirty="0" smtClean="0"/>
-                        <a:t>대결화면 </a:t>
-                      </a:r>
-                      <a:r>
-                        <a:rPr lang="en-US" altLang="ko-KR" sz="1600" baseline="0" dirty="0" smtClean="0"/>
-                        <a:t>BGM </a:t>
-                      </a:r>
-                      <a:r>
-                        <a:rPr lang="ko-KR" altLang="en-US" sz="1600" baseline="0" dirty="0" smtClean="0"/>
-                        <a:t>추가</a:t>
-                      </a:r>
-                      <a:endParaRPr lang="en-US" altLang="ko-KR" sz="1600" baseline="0" dirty="0" smtClean="0"/>
-                    </a:p>
-                  </a:txBody>
-                  <a:tcPr anchor="ctr"/>
-                </a:tc>
-              </a:tr>
-              <a:tr h="557393">
-                <a:tc>
-                  <a:txBody>
-                    <a:bodyPr/>
-                    <a:lstStyle/>
-                    <a:p>
-                      <a:pPr algn="ctr" latinLnBrk="1"/>
-                      <a:r>
-                        <a:rPr lang="en-US" altLang="ko-KR" sz="1600" dirty="0" smtClean="0"/>
-                        <a:t>9</a:t>
-                      </a:r>
-                      <a:r>
-                        <a:rPr lang="ko-KR" altLang="en-US" sz="1600" dirty="0" smtClean="0"/>
-                        <a:t>주차</a:t>
-                      </a:r>
-                      <a:endParaRPr lang="ko-KR" altLang="en-US" sz="1600" dirty="0"/>
-                    </a:p>
-                  </a:txBody>
-                  <a:tcPr anchor="ctr"/>
-                </a:tc>
-                <a:tc vMerge="1">
-                  <a:txBody>
-                    <a:bodyPr/>
-                    <a:lstStyle/>
-                    <a:p>
-                      <a:endParaRPr lang="ko-KR" altLang="en-US" dirty="0"/>
-                    </a:p>
-                  </a:txBody>
-                  <a:tcPr anchor="ctr"/>
-                </a:tc>
-                <a:tc vMerge="1">
-                  <a:txBody>
-                    <a:bodyPr/>
-                    <a:lstStyle/>
-                    <a:p>
-                      <a:endParaRPr lang="ko-KR" altLang="en-US" dirty="0"/>
-                    </a:p>
-                  </a:txBody>
-                  <a:tcPr anchor="ctr"/>
-                </a:tc>
-              </a:tr>
-              <a:tr h="833038">
-                <a:tc>
-                  <a:txBody>
-                    <a:bodyPr/>
-                    <a:lstStyle/>
-                    <a:p>
-                      <a:pPr algn="ctr" latinLnBrk="1"/>
-                      <a:r>
-                        <a:rPr lang="en-US" altLang="ko-KR" sz="1600" dirty="0" smtClean="0"/>
-                        <a:t>10</a:t>
-                      </a:r>
-                      <a:r>
-                        <a:rPr lang="ko-KR" altLang="en-US" sz="1600" dirty="0" smtClean="0"/>
-                        <a:t>주차</a:t>
-                      </a:r>
-                      <a:endParaRPr lang="ko-KR" altLang="en-US" sz="1600" dirty="0"/>
-                    </a:p>
-                  </a:txBody>
-                  <a:tcPr anchor="ctr"/>
-                </a:tc>
-                <a:tc>
-                  <a:txBody>
-                    <a:bodyPr/>
-                    <a:lstStyle/>
-                    <a:p>
-                      <a:pPr algn="ctr"/>
-                      <a:r>
-                        <a:rPr lang="ko-KR" altLang="en-US" sz="1600" dirty="0" smtClean="0"/>
-                        <a:t>사운드 추가</a:t>
-                      </a:r>
-                      <a:endParaRPr lang="en-US" altLang="ko-KR" sz="1600" dirty="0" smtClean="0"/>
-                    </a:p>
-                    <a:p>
-                      <a:pPr algn="ctr"/>
-                      <a:r>
-                        <a:rPr lang="ko-KR" altLang="en-US" sz="1600" dirty="0" smtClean="0"/>
-                        <a:t>밸런스 조절</a:t>
-                      </a:r>
-                      <a:endParaRPr lang="en-US" altLang="ko-KR" sz="1600" dirty="0" smtClean="0"/>
-                    </a:p>
-                    <a:p>
-                      <a:pPr algn="ctr"/>
-                      <a:r>
-                        <a:rPr lang="ko-KR" altLang="en-US" sz="1600" dirty="0" err="1" smtClean="0"/>
-                        <a:t>중간정검</a:t>
-                      </a:r>
-                      <a:endParaRPr lang="ko-KR" altLang="en-US" sz="1600" dirty="0"/>
-                    </a:p>
-                  </a:txBody>
-                  <a:tcPr anchor="ctr"/>
-                </a:tc>
-                <a:tc>
-                  <a:txBody>
-                    <a:bodyPr/>
-                    <a:lstStyle/>
-                    <a:p>
-                      <a:pPr marL="342900" indent="-342900">
-                        <a:buAutoNum type="arabicPeriod"/>
-                      </a:pPr>
-                      <a:r>
-                        <a:rPr lang="ko-KR" altLang="en-US" sz="1600" dirty="0" smtClean="0"/>
-                        <a:t>난이도 및 밸런스 조절</a:t>
-                      </a:r>
-                      <a:endParaRPr lang="en-US" altLang="ko-KR" sz="1600" dirty="0" smtClean="0"/>
-                    </a:p>
-                    <a:p>
-                      <a:pPr marL="342900" indent="-342900">
-                        <a:buAutoNum type="arabicPeriod"/>
-                      </a:pPr>
-                      <a:r>
-                        <a:rPr lang="ko-KR" altLang="en-US" sz="1600" dirty="0" smtClean="0"/>
-                        <a:t>캐릭터 타격 음향 추가구현</a:t>
-                      </a:r>
-                      <a:endParaRPr lang="en-US" altLang="ko-KR" sz="1600" dirty="0" smtClean="0"/>
-                    </a:p>
-                    <a:p>
-                      <a:pPr marL="342900" indent="-342900">
-                        <a:buAutoNum type="arabicPeriod"/>
-                      </a:pPr>
-                      <a:r>
-                        <a:rPr lang="ko-KR" altLang="en-US" sz="1600" dirty="0" smtClean="0"/>
-                        <a:t>부족한 부분 보완 및 추가 구현 가능한 부분 구현</a:t>
-                      </a:r>
-                      <a:endParaRPr lang="en-US" altLang="ko-KR" sz="1600" dirty="0" smtClean="0"/>
-                    </a:p>
-                  </a:txBody>
-                  <a:tcPr anchor="ctr"/>
-                </a:tc>
-              </a:tr>
-              <a:tr h="557393">
-                <a:tc>
-                  <a:txBody>
-                    <a:bodyPr/>
-                    <a:lstStyle/>
-                    <a:p>
-                      <a:pPr algn="ctr"/>
-                      <a:r>
-                        <a:rPr lang="en-US" altLang="ko-KR" sz="1600" dirty="0" smtClean="0"/>
-                        <a:t>11</a:t>
-                      </a:r>
-                      <a:r>
-                        <a:rPr lang="ko-KR" altLang="en-US" sz="1600" dirty="0" smtClean="0"/>
-                        <a:t>주차</a:t>
-                      </a:r>
-                      <a:endParaRPr lang="ko-KR" altLang="en-US" sz="1600" dirty="0"/>
-                    </a:p>
-                  </a:txBody>
-                  <a:tcPr anchor="ctr"/>
-                </a:tc>
-                <a:tc>
-                  <a:txBody>
-                    <a:bodyPr/>
-                    <a:lstStyle/>
-                    <a:p>
-                      <a:pPr algn="ctr"/>
-                      <a:r>
-                        <a:rPr lang="ko-KR" altLang="en-US" sz="1600" dirty="0" smtClean="0"/>
-                        <a:t>마무리</a:t>
-                      </a:r>
-                      <a:endParaRPr lang="ko-KR" altLang="en-US" sz="1600" dirty="0"/>
-                    </a:p>
-                  </a:txBody>
-                  <a:tcPr anchor="ctr"/>
-                </a:tc>
-                <a:tc>
-                  <a:txBody>
-                    <a:bodyPr/>
-                    <a:lstStyle/>
-                    <a:p>
-                      <a:pPr algn="l"/>
-                      <a:r>
-                        <a:rPr lang="en-US" altLang="ko-KR" sz="1600" dirty="0" smtClean="0"/>
-                        <a:t>1.</a:t>
-                      </a:r>
-                      <a:r>
-                        <a:rPr lang="en-US" altLang="ko-KR" sz="1600" baseline="0" dirty="0" smtClean="0"/>
-                        <a:t> </a:t>
-                      </a:r>
-                      <a:r>
-                        <a:rPr lang="ko-KR" altLang="en-US" sz="1600" baseline="0" dirty="0" smtClean="0"/>
-                        <a:t>최종 </a:t>
-                      </a:r>
-                      <a:r>
-                        <a:rPr lang="ko-KR" altLang="en-US" sz="1600" baseline="0" dirty="0" err="1" smtClean="0"/>
-                        <a:t>정검</a:t>
-                      </a:r>
-                      <a:r>
-                        <a:rPr lang="ko-KR" altLang="en-US" sz="1600" baseline="0" dirty="0" smtClean="0"/>
-                        <a:t> 및 </a:t>
-                      </a:r>
-                      <a:r>
-                        <a:rPr lang="ko-KR" altLang="en-US" sz="1600" baseline="0" dirty="0" err="1" smtClean="0"/>
-                        <a:t>릴리즈</a:t>
-                      </a:r>
-                      <a:endParaRPr lang="ko-KR" altLang="en-US" sz="1600" dirty="0"/>
+                        <a:rPr lang="en-US" altLang="ko-KR" sz="1600" baseline="0" dirty="0" smtClean="0">
+                          <a:solidFill>
+                            <a:srgbClr val="FF0000"/>
+                          </a:solidFill>
+                        </a:rPr>
+                        <a:t>AI </a:t>
+                      </a:r>
+                      <a:r>
+                        <a:rPr lang="ko-KR" altLang="en-US" sz="1600" baseline="0" dirty="0" err="1" smtClean="0">
+                          <a:solidFill>
+                            <a:srgbClr val="FF0000"/>
+                          </a:solidFill>
+                        </a:rPr>
+                        <a:t>미구현</a:t>
+                      </a:r>
+                      <a:endParaRPr lang="en-US" altLang="ko-KR" sz="1600" baseline="0" dirty="0" smtClean="0">
+                        <a:solidFill>
+                          <a:srgbClr val="FF0000"/>
+                        </a:solidFill>
+                      </a:endParaRPr>
                     </a:p>
                   </a:txBody>
                   <a:tcPr anchor="ctr"/>
@@ -6923,6 +7090,60 @@
           <a:chExt cx="0" cy="0"/>
         </a:xfrm>
       </p:grpSpPr>
+      <p:pic>
+        <p:nvPicPr>
+          <p:cNvPr id="1026" name="Picture 2"/>
+          <p:cNvPicPr>
+            <a:picLocks noChangeAspect="1" noChangeArrowheads="1"/>
+          </p:cNvPicPr>
+          <p:nvPr/>
+        </p:nvPicPr>
+        <p:blipFill>
+          <a:blip r:embed="rId2">
+            <a:extLst>
+              <a:ext uri="{28A0092B-C50C-407E-A947-70E740481C1C}">
+                <a14:useLocalDpi xmlns:a14="http://schemas.microsoft.com/office/drawing/2010/main" val="0"/>
+              </a:ext>
+            </a:extLst>
+          </a:blip>
+          <a:srcRect/>
+          <a:stretch>
+            <a:fillRect/>
+          </a:stretch>
+        </p:blipFill>
+        <p:spPr bwMode="auto">
+          <a:xfrm>
+            <a:off x="1" y="836712"/>
+            <a:ext cx="9172818" cy="5157192"/>
+          </a:xfrm>
+          <a:prstGeom prst="rect">
+            <a:avLst/>
+          </a:prstGeom>
+          <a:noFill/>
+          <a:ln>
+            <a:noFill/>
+          </a:ln>
+          <a:extLst>
+            <a:ext uri="{909E8E84-426E-40DD-AFC4-6F175D3DCCD1}">
+              <a14:hiddenFill xmlns:a14="http://schemas.microsoft.com/office/drawing/2010/main">
+                <a:solidFill>
+                  <a:schemeClr val="accent1"/>
+                </a:solidFill>
+              </a14:hiddenFill>
+            </a:ext>
+            <a:ext uri="{91240B29-F687-4F45-9708-019B960494DF}">
+              <a14:hiddenLine xmlns:a14="http://schemas.microsoft.com/office/drawing/2010/main" w="9525">
+                <a:solidFill>
+                  <a:schemeClr val="tx1"/>
+                </a:solidFill>
+                <a:miter lim="800000"/>
+                <a:headEnd/>
+                <a:tailEnd/>
+              </a14:hiddenLine>
+            </a:ext>
+          </a:extLst>
+        </p:spPr>
+      </p:pic>
     </p:spTree>
     <p:extLst>
       <p:ext uri="{BB962C8B-B14F-4D97-AF65-F5344CB8AC3E}">
@@ -6993,7 +7214,7 @@
             <p:ph idx="1"/>
             <p:extLst>
               <p:ext uri="{D42A27DB-BD31-4B8C-83A1-F6EECF244321}">
-                <p14:modId xmlns:p14="http://schemas.microsoft.com/office/powerpoint/2010/main" val="1917503612"/>
+                <p14:modId xmlns:p14="http://schemas.microsoft.com/office/powerpoint/2010/main" val="1759971601"/>
               </p:ext>
             </p:extLst>
           </p:nvPr>
@@ -7061,7 +7282,15 @@
                       <a:pPr algn="ctr" latinLnBrk="1"/>
                       <a:r>
                         <a:rPr lang="ko-KR" altLang="en-US" sz="1600" dirty="0" smtClean="0"/>
-                        <a:t>발표자료에 포함할 내용을 다 포함했는가</a:t>
+                        <a:t>발표자료에 </a:t>
+                      </a:r>
+                      <a:r>
+                        <a:rPr lang="ko-KR" altLang="en-US" sz="1600" dirty="0" smtClean="0"/>
+                        <a:t> 포함할 </a:t>
+                      </a:r>
+                      <a:r>
+                        <a:rPr lang="ko-KR" altLang="en-US" sz="1600" dirty="0" smtClean="0"/>
+                        <a:t>내용을 다 포함했는가</a:t>
                       </a:r>
                       <a:r>
                         <a:rPr lang="en-US" altLang="ko-KR" sz="1600" dirty="0" smtClean="0"/>
@@ -7079,8 +7308,8 @@
                     <a:p>
                       <a:pPr algn="ctr" latinLnBrk="1"/>
                       <a:r>
-                        <a:rPr lang="en-US" altLang="ko-KR" smtClean="0"/>
-                        <a:t>A</a:t>
+                        <a:rPr lang="en-US" altLang="ko-KR" dirty="0" smtClean="0"/>
+                        <a:t>C</a:t>
                       </a:r>
                       <a:endParaRPr lang="ko-KR" altLang="en-US" dirty="0"/>
                     </a:p>
@@ -7204,7 +7433,7 @@
                       <a:pPr algn="ctr" latinLnBrk="1"/>
                       <a:r>
                         <a:rPr lang="en-US" altLang="ko-KR" dirty="0" smtClean="0"/>
-                        <a:t>B</a:t>
+                        <a:t>C</a:t>
                       </a:r>
                       <a:endParaRPr lang="ko-KR" altLang="en-US" dirty="0"/>
                     </a:p>
@@ -7248,7 +7477,7 @@
                       <a:pPr algn="ctr" latinLnBrk="1"/>
                       <a:r>
                         <a:rPr lang="en-US" altLang="ko-KR" dirty="0" smtClean="0"/>
-                        <a:t>C</a:t>
+                        <a:t>D</a:t>
                       </a:r>
                       <a:endParaRPr lang="ko-KR" altLang="en-US" dirty="0"/>
                     </a:p>

--- a/ppt/Battle Arena Design_2차발표.pptx
+++ b/ppt/Battle Arena Design_2차발표.pptx
@@ -5236,7 +5236,7 @@
             <p:ph idx="1"/>
             <p:extLst>
               <p:ext uri="{D42A27DB-BD31-4B8C-83A1-F6EECF244321}">
-                <p14:modId xmlns:p14="http://schemas.microsoft.com/office/powerpoint/2010/main" val="3087416867"/>
+                <p14:modId xmlns:p14="http://schemas.microsoft.com/office/powerpoint/2010/main" val="1664072023"/>
               </p:ext>
             </p:extLst>
           </p:nvPr>
@@ -5311,18 +5311,34 @@
                     <a:p>
                       <a:pPr algn="ctr" latinLnBrk="1"/>
                       <a:r>
-                        <a:rPr lang="ko-KR" altLang="en-US" sz="2400" dirty="0" smtClean="0"/>
+                        <a:rPr lang="ko-KR" altLang="en-US" sz="2400" dirty="0" smtClean="0">
+                          <a:solidFill>
+                            <a:schemeClr val="tx1"/>
+                          </a:solidFill>
+                        </a:rPr>
                         <a:t>캐릭터</a:t>
                       </a:r>
-                      <a:endParaRPr lang="en-US" altLang="ko-KR" sz="2400" dirty="0" smtClean="0"/>
+                      <a:endParaRPr lang="en-US" altLang="ko-KR" sz="2400" dirty="0" smtClean="0">
+                        <a:solidFill>
+                          <a:schemeClr val="tx1"/>
+                        </a:solidFill>
+                      </a:endParaRPr>
                     </a:p>
                     <a:p>
                       <a:pPr algn="ctr" latinLnBrk="1"/>
                       <a:r>
-                        <a:rPr lang="ko-KR" altLang="en-US" sz="2400" dirty="0" smtClean="0"/>
+                        <a:rPr lang="ko-KR" altLang="en-US" sz="2400" dirty="0" smtClean="0">
+                          <a:solidFill>
+                            <a:schemeClr val="tx1"/>
+                          </a:solidFill>
+                        </a:rPr>
                         <a:t>컨트롤</a:t>
                       </a:r>
-                      <a:endParaRPr lang="ko-KR" altLang="en-US" sz="2400" dirty="0"/>
+                      <a:endParaRPr lang="ko-KR" altLang="en-US" sz="2400" dirty="0">
+                        <a:solidFill>
+                          <a:schemeClr val="tx1"/>
+                        </a:solidFill>
+                      </a:endParaRPr>
                     </a:p>
                   </a:txBody>
                   <a:tcPr anchor="ctr"/>
@@ -5335,11 +5351,7 @@
                       <a:pPr latinLnBrk="1"/>
                       <a:r>
                         <a:rPr lang="ko-KR" altLang="en-US" sz="1800" dirty="0" smtClean="0"/>
-                        <a:t>상하 </a:t>
-                      </a:r>
-                      <a:r>
-                        <a:rPr lang="ko-KR" altLang="en-US" sz="1800" dirty="0" smtClean="0"/>
-                        <a:t>좌우</a:t>
+                        <a:t>상하 좌우</a:t>
                       </a:r>
                       <a:endParaRPr lang="en-US" altLang="ko-KR" sz="1800" dirty="0" smtClean="0"/>
                     </a:p>
@@ -5350,10 +5362,18 @@
                         <a:t>- </a:t>
                       </a:r>
                       <a:r>
-                        <a:rPr lang="ko-KR" altLang="en-US" sz="1800" dirty="0" smtClean="0"/>
+                        <a:rPr lang="ko-KR" altLang="en-US" sz="1800" dirty="0" smtClean="0">
+                          <a:solidFill>
+                            <a:srgbClr val="0070C0"/>
+                          </a:solidFill>
+                        </a:rPr>
                         <a:t>구현 완료</a:t>
                       </a:r>
-                      <a:endParaRPr lang="en-US" altLang="ko-KR" sz="1800" dirty="0" smtClean="0"/>
+                      <a:endParaRPr lang="en-US" altLang="ko-KR" sz="1800" dirty="0" smtClean="0">
+                        <a:solidFill>
+                          <a:srgbClr val="0070C0"/>
+                        </a:solidFill>
+                      </a:endParaRPr>
                     </a:p>
                   </a:txBody>
                   <a:tcPr anchor="ctr"/>
@@ -5377,10 +5397,18 @@
                         <a:t>- </a:t>
                       </a:r>
                       <a:r>
-                        <a:rPr lang="ko-KR" altLang="en-US" sz="1800" baseline="0" dirty="0" smtClean="0"/>
+                        <a:rPr lang="ko-KR" altLang="en-US" sz="1800" baseline="0" dirty="0" smtClean="0">
+                          <a:solidFill>
+                            <a:srgbClr val="0070C0"/>
+                          </a:solidFill>
+                        </a:rPr>
                         <a:t>구현 완료</a:t>
                       </a:r>
-                      <a:endParaRPr lang="en-US" altLang="ko-KR" sz="1800" baseline="0" dirty="0" smtClean="0"/>
+                      <a:endParaRPr lang="en-US" altLang="ko-KR" sz="1800" baseline="0" dirty="0" smtClean="0">
+                        <a:solidFill>
+                          <a:srgbClr val="0070C0"/>
+                        </a:solidFill>
+                      </a:endParaRPr>
                     </a:p>
                   </a:txBody>
                   <a:tcPr anchor="ctr"/>
@@ -5434,11 +5462,7 @@
                       <a:pPr latinLnBrk="1"/>
                       <a:r>
                         <a:rPr lang="ko-KR" altLang="en-US" sz="1800" baseline="0" dirty="0" smtClean="0"/>
-                        <a:t>특정 기술 시 페르소나 </a:t>
-                      </a:r>
-                      <a:r>
-                        <a:rPr lang="ko-KR" altLang="en-US" sz="1800" baseline="0" dirty="0" smtClean="0"/>
-                        <a:t>등장</a:t>
+                        <a:t>특정 기술 시 페르소나 등장</a:t>
                       </a:r>
                       <a:endParaRPr lang="en-US" altLang="ko-KR" sz="1800" baseline="0" dirty="0" smtClean="0"/>
                     </a:p>
@@ -5449,10 +5473,18 @@
                         <a:t>- </a:t>
                       </a:r>
                       <a:r>
-                        <a:rPr lang="ko-KR" altLang="en-US" sz="1800" baseline="0" dirty="0" smtClean="0"/>
+                        <a:rPr lang="ko-KR" altLang="en-US" sz="1800" baseline="0" dirty="0" smtClean="0">
+                          <a:solidFill>
+                            <a:srgbClr val="0070C0"/>
+                          </a:solidFill>
+                        </a:rPr>
                         <a:t>구현 완료</a:t>
                       </a:r>
-                      <a:endParaRPr lang="en-US" altLang="ko-KR" sz="1800" baseline="0" dirty="0" smtClean="0"/>
+                      <a:endParaRPr lang="en-US" altLang="ko-KR" sz="1800" baseline="0" dirty="0" smtClean="0">
+                        <a:solidFill>
+                          <a:srgbClr val="0070C0"/>
+                        </a:solidFill>
+                      </a:endParaRPr>
                     </a:p>
                   </a:txBody>
                   <a:tcPr anchor="ctr"/>
@@ -5485,11 +5517,7 @@
                       <a:pPr latinLnBrk="1"/>
                       <a:r>
                         <a:rPr lang="ko-KR" altLang="en-US" sz="1800" baseline="0" dirty="0" smtClean="0"/>
-                        <a:t>기술들 </a:t>
-                      </a:r>
-                      <a:r>
-                        <a:rPr lang="ko-KR" altLang="en-US" sz="1800" baseline="0" dirty="0" smtClean="0"/>
-                        <a:t>추가</a:t>
+                        <a:t>기술들 추가</a:t>
                       </a:r>
                       <a:endParaRPr lang="ko-KR" altLang="en-US" sz="1800" dirty="0"/>
                     </a:p>
@@ -5738,7 +5766,6 @@
                         <a:rPr lang="en-US" altLang="ko-KR" sz="1800" baseline="0" dirty="0" smtClean="0"/>
                         <a:t>)</a:t>
                       </a:r>
-                      <a:endParaRPr lang="en-US" altLang="ko-KR" sz="1800" baseline="0" dirty="0" smtClean="0"/>
                     </a:p>
                     <a:p>
                       <a:pPr latinLnBrk="1"/>
@@ -5758,7 +5785,6 @@
                         <a:rPr lang="en-US" altLang="ko-KR" sz="1800" baseline="0" dirty="0" smtClean="0"/>
                         <a:t>,  </a:t>
                       </a:r>
-                      <a:endParaRPr lang="en-US" altLang="ko-KR" sz="1800" baseline="0" dirty="0" smtClean="0"/>
                     </a:p>
                     <a:p>
                       <a:pPr latinLnBrk="1"/>
@@ -5768,11 +5794,7 @@
                       </a:r>
                       <a:r>
                         <a:rPr lang="ko-KR" altLang="en-US" sz="1800" baseline="0" dirty="0" smtClean="0"/>
-                        <a:t>게임 </a:t>
-                      </a:r>
-                      <a:r>
-                        <a:rPr lang="ko-KR" altLang="en-US" sz="1800" baseline="0" dirty="0" smtClean="0"/>
-                        <a:t>타이머 적용</a:t>
+                        <a:t>게임 타이머 적용</a:t>
                       </a:r>
                       <a:endParaRPr lang="en-US" altLang="ko-KR" sz="1800" baseline="0" dirty="0" smtClean="0"/>
                     </a:p>
@@ -5796,11 +5818,7 @@
                       </a:r>
                       <a:r>
                         <a:rPr lang="ko-KR" altLang="en-US" sz="1800" baseline="0" dirty="0" smtClean="0"/>
-                        <a:t> </a:t>
-                      </a:r>
-                      <a:r>
-                        <a:rPr lang="ko-KR" altLang="en-US" sz="1800" baseline="0" dirty="0" smtClean="0"/>
-                        <a:t>및 </a:t>
+                        <a:t> 및 </a:t>
                       </a:r>
                       <a:r>
                         <a:rPr lang="ko-KR" altLang="en-US" sz="1800" baseline="0" dirty="0" err="1" smtClean="0"/>
@@ -5808,11 +5826,7 @@
                       </a:r>
                       <a:r>
                         <a:rPr lang="ko-KR" altLang="en-US" sz="1800" baseline="0" dirty="0" smtClean="0"/>
-                        <a:t> </a:t>
-                      </a:r>
-                      <a:r>
-                        <a:rPr lang="ko-KR" altLang="en-US" sz="1800" baseline="0" dirty="0" smtClean="0"/>
-                        <a:t>생성</a:t>
+                        <a:t> 생성</a:t>
                       </a:r>
                       <a:endParaRPr lang="en-US" altLang="ko-KR" sz="1800" baseline="0" dirty="0" smtClean="0"/>
                     </a:p>
@@ -5823,10 +5837,18 @@
                         <a:t>- </a:t>
                       </a:r>
                       <a:r>
-                        <a:rPr lang="ko-KR" altLang="en-US" sz="1800" baseline="0" dirty="0" smtClean="0"/>
+                        <a:rPr lang="ko-KR" altLang="en-US" sz="1800" baseline="0" dirty="0" smtClean="0">
+                          <a:solidFill>
+                            <a:srgbClr val="0070C0"/>
+                          </a:solidFill>
+                        </a:rPr>
                         <a:t>메인 화면 구현</a:t>
                       </a:r>
-                      <a:endParaRPr lang="en-US" altLang="ko-KR" sz="1800" baseline="0" dirty="0" smtClean="0"/>
+                      <a:endParaRPr lang="en-US" altLang="ko-KR" sz="1800" baseline="0" dirty="0" smtClean="0">
+                        <a:solidFill>
+                          <a:srgbClr val="0070C0"/>
+                        </a:solidFill>
+                      </a:endParaRPr>
                     </a:p>
                   </a:txBody>
                   <a:tcPr anchor="ctr"/>
@@ -6124,7 +6146,7 @@
             <p:ph idx="1"/>
             <p:extLst>
               <p:ext uri="{D42A27DB-BD31-4B8C-83A1-F6EECF244321}">
-                <p14:modId xmlns:p14="http://schemas.microsoft.com/office/powerpoint/2010/main" val="312414838"/>
+                <p14:modId xmlns:p14="http://schemas.microsoft.com/office/powerpoint/2010/main" val="2806898945"/>
               </p:ext>
             </p:extLst>
           </p:nvPr>
@@ -6205,11 +6227,7 @@
                       </a:pPr>
                       <a:r>
                         <a:rPr lang="ko-KR" altLang="en-US" sz="1600" dirty="0" smtClean="0"/>
-                        <a:t>리소스 </a:t>
-                      </a:r>
-                      <a:r>
-                        <a:rPr lang="ko-KR" altLang="en-US" sz="1600" dirty="0" smtClean="0"/>
-                        <a:t>수집   </a:t>
+                        <a:t>리소스 수집   </a:t>
                       </a:r>
                       <a:r>
                         <a:rPr lang="en-US" altLang="ko-KR" sz="1600" dirty="0" smtClean="0"/>
@@ -6223,7 +6241,6 @@
                         <a:rPr lang="en-US" altLang="ko-KR" sz="1600" dirty="0" smtClean="0"/>
                         <a:t>)</a:t>
                       </a:r>
-                      <a:endParaRPr lang="en-US" altLang="ko-KR" sz="1600" dirty="0" smtClean="0"/>
                     </a:p>
                   </a:txBody>
                   <a:tcPr anchor="ctr"/>
@@ -6384,7 +6401,6 @@
                         <a:rPr lang="ko-KR" altLang="en-US" sz="1600" dirty="0" smtClean="0"/>
                         <a:t>계획</a:t>
                       </a:r>
-                      <a:endParaRPr lang="ko-KR" altLang="en-US" sz="1600" dirty="0" smtClean="0"/>
                     </a:p>
                   </a:txBody>
                   <a:tcPr anchor="ctr"/>
@@ -6439,7 +6455,6 @@
                         <a:rPr lang="ko-KR" altLang="en-US" sz="1600" dirty="0" smtClean="0"/>
                         <a:t>결과</a:t>
                       </a:r>
-                      <a:endParaRPr lang="ko-KR" altLang="en-US" sz="1600" dirty="0" smtClean="0"/>
                     </a:p>
                   </a:txBody>
                   <a:tcPr anchor="ctr"/>
@@ -6482,7 +6497,31 @@
                             <a:srgbClr val="FF0000"/>
                           </a:solidFill>
                         </a:rPr>
-                        <a:t>캐릭터 선택창 생성 실패 </a:t>
+                        <a:t>캐릭터 선택창 생성 </a:t>
+                      </a:r>
+                      <a:r>
+                        <a:rPr lang="ko-KR" altLang="en-US" sz="1600" baseline="0" dirty="0" smtClean="0">
+                          <a:solidFill>
+                            <a:srgbClr val="FF0000"/>
+                          </a:solidFill>
+                        </a:rPr>
+                        <a:t>실패 </a:t>
+                      </a:r>
+                      <a:r>
+                        <a:rPr lang="en-US" altLang="ko-KR" sz="1600" baseline="0" dirty="0" smtClean="0">
+                          <a:solidFill>
+                            <a:srgbClr val="FF0000"/>
+                          </a:solidFill>
+                        </a:rPr>
+                        <a:t>(40%)</a:t>
+                      </a:r>
+                      <a:r>
+                        <a:rPr lang="ko-KR" altLang="en-US" sz="1600" baseline="0" dirty="0" smtClean="0">
+                          <a:solidFill>
+                            <a:srgbClr val="FF0000"/>
+                          </a:solidFill>
+                        </a:rPr>
+                        <a:t> </a:t>
                       </a:r>
                       <a:r>
                         <a:rPr lang="en-US" altLang="ko-KR" sz="1600" baseline="0" dirty="0" smtClean="0"/>
@@ -6623,7 +6662,6 @@
                         <a:rPr lang="ko-KR" altLang="en-US" sz="1600" dirty="0" smtClean="0"/>
                         <a:t>계획</a:t>
                       </a:r>
-                      <a:endParaRPr lang="ko-KR" altLang="en-US" sz="1600" dirty="0" smtClean="0"/>
                     </a:p>
                   </a:txBody>
                   <a:tcPr anchor="ctr"/>
@@ -6733,7 +6771,6 @@
                         <a:rPr lang="ko-KR" altLang="en-US" sz="1600" dirty="0" smtClean="0"/>
                         <a:t>결과</a:t>
                       </a:r>
-                      <a:endParaRPr lang="ko-KR" altLang="en-US" sz="1600" dirty="0" smtClean="0"/>
                     </a:p>
                   </a:txBody>
                   <a:tcPr anchor="ctr"/>
@@ -6817,12 +6854,44 @@
                         <a:buAutoNum type="arabicPeriod"/>
                       </a:pPr>
                       <a:r>
+                        <a:rPr lang="en-US" altLang="ko-KR" sz="1600" dirty="0" smtClean="0">
+                          <a:solidFill>
+                            <a:srgbClr val="FF0000"/>
+                          </a:solidFill>
+                        </a:rPr>
+                        <a:t>(</a:t>
+                      </a:r>
+                      <a:r>
                         <a:rPr lang="ko-KR" altLang="en-US" sz="1600" dirty="0" smtClean="0">
                           <a:solidFill>
                             <a:srgbClr val="FF0000"/>
                           </a:solidFill>
                         </a:rPr>
-                        <a:t>커맨드 기술 </a:t>
+                        <a:t>추가</a:t>
+                      </a:r>
+                      <a:r>
+                        <a:rPr lang="en-US" altLang="ko-KR" sz="1600" dirty="0" smtClean="0">
+                          <a:solidFill>
+                            <a:srgbClr val="FF0000"/>
+                          </a:solidFill>
+                        </a:rPr>
+                        <a:t>) </a:t>
+                      </a:r>
+                      <a:r>
+                        <a:rPr lang="ko-KR" altLang="en-US" sz="1600" dirty="0" smtClean="0">
+                          <a:solidFill>
+                            <a:srgbClr val="FF0000"/>
+                          </a:solidFill>
+                        </a:rPr>
+                        <a:t>커맨드 </a:t>
+                      </a:r>
+                      <a:r>
+                        <a:rPr lang="ko-KR" altLang="en-US" sz="1600" dirty="0" smtClean="0">
+                          <a:solidFill>
+                            <a:srgbClr val="FF0000"/>
+                          </a:solidFill>
+                        </a:rPr>
+                        <a:t>기술 </a:t>
                       </a:r>
                       <a:r>
                         <a:rPr lang="ko-KR" altLang="en-US" sz="1600" dirty="0" err="1" smtClean="0">
@@ -6831,6 +6900,22 @@
                           </a:solidFill>
                         </a:rPr>
                         <a:t>미구현</a:t>
+                      </a:r>
+                      <a:r>
+                        <a:rPr lang="ko-KR" altLang="en-US" sz="1600" dirty="0" smtClean="0">
+                          <a:solidFill>
+                            <a:srgbClr val="FF0000"/>
+                          </a:solidFill>
+                        </a:rPr>
+                        <a:t> </a:t>
+                      </a:r>
+                      <a:r>
+                        <a:rPr lang="en-US" altLang="ko-KR" sz="1600" dirty="0" smtClean="0">
+                          <a:solidFill>
+                            <a:srgbClr val="FF0000"/>
+                          </a:solidFill>
+                        </a:rPr>
+                        <a:t>(0%)</a:t>
                       </a:r>
                       <a:endParaRPr lang="en-US" altLang="ko-KR" sz="1600" dirty="0" smtClean="0">
                         <a:solidFill>
@@ -7038,6 +7123,22 @@
                           </a:solidFill>
                         </a:rPr>
                         <a:t>미구현</a:t>
+                      </a:r>
+                      <a:r>
+                        <a:rPr lang="ko-KR" altLang="en-US" sz="1600" baseline="0" dirty="0" smtClean="0">
+                          <a:solidFill>
+                            <a:srgbClr val="FF0000"/>
+                          </a:solidFill>
+                        </a:rPr>
+                        <a:t> </a:t>
+                      </a:r>
+                      <a:r>
+                        <a:rPr lang="en-US" altLang="ko-KR" sz="1600" baseline="0" dirty="0" smtClean="0">
+                          <a:solidFill>
+                            <a:srgbClr val="FF0000"/>
+                          </a:solidFill>
+                        </a:rPr>
+                        <a:t>(10%)</a:t>
                       </a:r>
                       <a:endParaRPr lang="en-US" altLang="ko-KR" sz="1600" baseline="0" dirty="0" smtClean="0">
                         <a:solidFill>
@@ -7113,7 +7214,7 @@
         </p:blipFill>
         <p:spPr bwMode="auto">
           <a:xfrm>
-            <a:off x="1" y="836712"/>
+            <a:off x="1" y="404664"/>
             <a:ext cx="9172818" cy="5157192"/>
           </a:xfrm>
           <a:prstGeom prst="rect">
@@ -7144,6 +7245,58 @@
           </a:extLst>
         </p:spPr>
       </p:pic>
+      <p:sp>
+        <p:nvSpPr>
+          <p:cNvPr id="2" name="빗면 1">
+            <a:hlinkClick r:id="rId3" action="ppaction://hlinkfile"/>
+          </p:cNvPr>
+          <p:cNvSpPr/>
+          <p:nvPr/>
+        </p:nvSpPr>
+        <p:spPr>
+          <a:xfrm>
+            <a:off x="7884368" y="6165304"/>
+            <a:ext cx="1080120" cy="576064"/>
+          </a:xfrm>
+          <a:prstGeom prst="bevel">
+            <a:avLst/>
+          </a:prstGeom>
+        </p:spPr>
+        <p:style>
+          <a:lnRef idx="2">
+            <a:schemeClr val="accent1">
+              <a:shade val="50000"/>
+            </a:schemeClr>
+          </a:lnRef>
+          <a:fillRef idx="1">
+            <a:schemeClr val="accent1"/>
+          </a:fillRef>
+          <a:effectRef idx="0">
+            <a:schemeClr val="accent1"/>
+          </a:effectRef>
+          <a:fontRef idx="minor">
+            <a:schemeClr val="lt1"/>
+          </a:fontRef>
+        </p:style>
+        <p:txBody>
+          <a:bodyPr rtlCol="0" anchor="ctr"/>
+          <a:lstStyle/>
+          <a:p>
+            <a:pPr algn="ctr"/>
+            <a:r>
+              <a:rPr lang="en-US" altLang="ko-KR" dirty="0" smtClean="0"/>
+              <a:t>Game</a:t>
+            </a:r>
+          </a:p>
+          <a:p>
+            <a:pPr algn="ctr"/>
+            <a:r>
+              <a:rPr lang="en-US" altLang="ko-KR" dirty="0" smtClean="0"/>
+              <a:t>Start</a:t>
+            </a:r>
+          </a:p>
+        </p:txBody>
+      </p:sp>
     </p:spTree>
     <p:extLst>
       <p:ext uri="{BB962C8B-B14F-4D97-AF65-F5344CB8AC3E}">
@@ -7282,15 +7435,7 @@
                       <a:pPr algn="ctr" latinLnBrk="1"/>
                       <a:r>
                         <a:rPr lang="ko-KR" altLang="en-US" sz="1600" dirty="0" smtClean="0"/>
-                        <a:t>발표자료에 </a:t>
-                      </a:r>
-                      <a:r>
-                        <a:rPr lang="ko-KR" altLang="en-US" sz="1600" dirty="0" smtClean="0"/>
-                        <a:t> 포함할 </a:t>
-                      </a:r>
-                      <a:r>
-                        <a:rPr lang="ko-KR" altLang="en-US" sz="1600" dirty="0" smtClean="0"/>
-                        <a:t>내용을 다 포함했는가</a:t>
+                        <a:t>발표자료에  포함할 내용을 다 포함했는가</a:t>
                       </a:r>
                       <a:r>
                         <a:rPr lang="en-US" altLang="ko-KR" sz="1600" dirty="0" smtClean="0"/>
